--- a/writeup/figures/DataflowFig.pptx
+++ b/writeup/figures/DataflowFig.pptx
@@ -4231,8 +4231,8 @@
         </p:nvSpPr>
         <p:spPr>
           <a:xfrm>
-            <a:off x="12682090" y="5292684"/>
-            <a:ext cx="5220299" cy="1569660"/>
+            <a:off x="12450007" y="5292684"/>
+            <a:ext cx="5651999" cy="1938992"/>
           </a:xfrm>
           <a:prstGeom prst="rect">
             <a:avLst/>
@@ -4240,45 +4240,42 @@
           <a:noFill/>
         </p:spPr>
         <p:txBody>
-          <a:bodyPr wrap="none" rtlCol="0">
+          <a:bodyPr wrap="square" rtlCol="0">
             <a:spAutoFit/>
           </a:bodyPr>
           <a:lstStyle/>
           <a:p>
             <a:pPr algn="ctr"/>
             <a:r>
-              <a:rPr lang="en-US" sz="4800" dirty="0" smtClean="0">
+              <a:rPr lang="en-US" sz="6000" dirty="0" smtClean="0">
                 <a:latin typeface="Times New Roman"/>
                 <a:cs typeface="Times New Roman"/>
               </a:rPr>
-              <a:t>(fetches </a:t>
-            </a:r>
-            <a:r>
-              <a:rPr lang="en-US" sz="4800" dirty="0" err="1" smtClean="0"/>
+              <a:t>(obtains </a:t>
+            </a:r>
+            <a:r>
+              <a:rPr lang="en-US" sz="6000" dirty="0" err="1" smtClean="0"/>
               <a:t>d.data</a:t>
             </a:r>
             <a:r>
-              <a:rPr lang="en-US" sz="4800" dirty="0" smtClean="0"/>
+              <a:rPr lang="en-US" sz="6000" dirty="0" smtClean="0"/>
               <a:t> </a:t>
             </a:r>
             <a:r>
-              <a:rPr lang="en-US" sz="4800" dirty="0" smtClean="0">
+              <a:rPr lang="en-US" sz="6000" dirty="0" smtClean="0">
                 <a:latin typeface="Times New Roman"/>
                 <a:cs typeface="Times New Roman"/>
               </a:rPr>
-              <a:t>from</a:t>
-            </a:r>
-          </a:p>
-          <a:p>
-            <a:pPr algn="ctr"/>
-            <a:r>
-              <a:rPr lang="en-US" sz="4800" dirty="0" smtClean="0">
+              <a:t>from data </a:t>
+            </a:r>
+            <a:r>
+              <a:rPr lang="en-US" sz="6000" dirty="0" smtClean="0">
                 <a:latin typeface="Times New Roman"/>
                 <a:cs typeface="Times New Roman"/>
               </a:rPr>
-              <a:t>data source)</a:t>
-            </a:r>
-            <a:endParaRPr lang="en-US" sz="4800" dirty="0">
+              <a:t>source)</a:t>
+            </a:r>
+            <a:endParaRPr lang="en-US" sz="6000" dirty="0">
               <a:latin typeface="Times New Roman"/>
               <a:cs typeface="Times New Roman"/>
             </a:endParaRPr>

--- a/writeup/figures/DataflowFig.pptx
+++ b/writeup/figures/DataflowFig.pptx
@@ -288,7 +288,7 @@
           <a:p>
             <a:fld id="{6CABA93C-DC80-9046-97C2-C65CE0460EDC}" type="datetimeFigureOut">
               <a:rPr lang="en-US" smtClean="0"/>
-              <a:t>1/25/16</a:t>
+              <a:t>1/29/16</a:t>
             </a:fld>
             <a:endParaRPr lang="en-US"/>
           </a:p>
@@ -458,7 +458,7 @@
           <a:p>
             <a:fld id="{6CABA93C-DC80-9046-97C2-C65CE0460EDC}" type="datetimeFigureOut">
               <a:rPr lang="en-US" smtClean="0"/>
-              <a:t>1/25/16</a:t>
+              <a:t>1/29/16</a:t>
             </a:fld>
             <a:endParaRPr lang="en-US"/>
           </a:p>
@@ -638,7 +638,7 @@
           <a:p>
             <a:fld id="{6CABA93C-DC80-9046-97C2-C65CE0460EDC}" type="datetimeFigureOut">
               <a:rPr lang="en-US" smtClean="0"/>
-              <a:t>1/25/16</a:t>
+              <a:t>1/29/16</a:t>
             </a:fld>
             <a:endParaRPr lang="en-US"/>
           </a:p>
@@ -808,7 +808,7 @@
           <a:p>
             <a:fld id="{6CABA93C-DC80-9046-97C2-C65CE0460EDC}" type="datetimeFigureOut">
               <a:rPr lang="en-US" smtClean="0"/>
-              <a:t>1/25/16</a:t>
+              <a:t>1/29/16</a:t>
             </a:fld>
             <a:endParaRPr lang="en-US"/>
           </a:p>
@@ -1054,7 +1054,7 @@
           <a:p>
             <a:fld id="{6CABA93C-DC80-9046-97C2-C65CE0460EDC}" type="datetimeFigureOut">
               <a:rPr lang="en-US" smtClean="0"/>
-              <a:t>1/25/16</a:t>
+              <a:t>1/29/16</a:t>
             </a:fld>
             <a:endParaRPr lang="en-US"/>
           </a:p>
@@ -1342,7 +1342,7 @@
           <a:p>
             <a:fld id="{6CABA93C-DC80-9046-97C2-C65CE0460EDC}" type="datetimeFigureOut">
               <a:rPr lang="en-US" smtClean="0"/>
-              <a:t>1/25/16</a:t>
+              <a:t>1/29/16</a:t>
             </a:fld>
             <a:endParaRPr lang="en-US"/>
           </a:p>
@@ -1769,7 +1769,7 @@
           <a:p>
             <a:fld id="{6CABA93C-DC80-9046-97C2-C65CE0460EDC}" type="datetimeFigureOut">
               <a:rPr lang="en-US" smtClean="0"/>
-              <a:t>1/25/16</a:t>
+              <a:t>1/29/16</a:t>
             </a:fld>
             <a:endParaRPr lang="en-US"/>
           </a:p>
@@ -1887,7 +1887,7 @@
           <a:p>
             <a:fld id="{6CABA93C-DC80-9046-97C2-C65CE0460EDC}" type="datetimeFigureOut">
               <a:rPr lang="en-US" smtClean="0"/>
-              <a:t>1/25/16</a:t>
+              <a:t>1/29/16</a:t>
             </a:fld>
             <a:endParaRPr lang="en-US"/>
           </a:p>
@@ -1982,7 +1982,7 @@
           <a:p>
             <a:fld id="{6CABA93C-DC80-9046-97C2-C65CE0460EDC}" type="datetimeFigureOut">
               <a:rPr lang="en-US" smtClean="0"/>
-              <a:t>1/25/16</a:t>
+              <a:t>1/29/16</a:t>
             </a:fld>
             <a:endParaRPr lang="en-US"/>
           </a:p>
@@ -2259,7 +2259,7 @@
           <a:p>
             <a:fld id="{6CABA93C-DC80-9046-97C2-C65CE0460EDC}" type="datetimeFigureOut">
               <a:rPr lang="en-US" smtClean="0"/>
-              <a:t>1/25/16</a:t>
+              <a:t>1/29/16</a:t>
             </a:fld>
             <a:endParaRPr lang="en-US"/>
           </a:p>
@@ -2512,7 +2512,7 @@
           <a:p>
             <a:fld id="{6CABA93C-DC80-9046-97C2-C65CE0460EDC}" type="datetimeFigureOut">
               <a:rPr lang="en-US" smtClean="0"/>
-              <a:t>1/25/16</a:t>
+              <a:t>1/29/16</a:t>
             </a:fld>
             <a:endParaRPr lang="en-US"/>
           </a:p>
@@ -2725,7 +2725,7 @@
           <a:p>
             <a:fld id="{6CABA93C-DC80-9046-97C2-C65CE0460EDC}" type="datetimeFigureOut">
               <a:rPr lang="en-US" smtClean="0"/>
-              <a:t>1/25/16</a:t>
+              <a:t>1/29/16</a:t>
             </a:fld>
             <a:endParaRPr lang="en-US"/>
           </a:p>
@@ -3205,8 +3205,8 @@
         </p:nvSpPr>
         <p:spPr>
           <a:xfrm>
-            <a:off x="13295925" y="336227"/>
-            <a:ext cx="3136496" cy="830997"/>
+            <a:off x="13095386" y="40615"/>
+            <a:ext cx="4681089" cy="1107996"/>
           </a:xfrm>
           <a:prstGeom prst="rect">
             <a:avLst/>
@@ -3220,13 +3220,13 @@
           <a:lstStyle/>
           <a:p>
             <a:r>
-              <a:rPr lang="en-US" sz="4800" dirty="0" smtClean="0">
+              <a:rPr lang="en-US" sz="6600" b="1" dirty="0" smtClean="0">
                 <a:latin typeface="Verdana"/>
                 <a:cs typeface="Verdana"/>
               </a:rPr>
               <a:t>TC server</a:t>
             </a:r>
-            <a:endParaRPr lang="en-US" sz="4800" dirty="0">
+            <a:endParaRPr lang="en-US" sz="6600" b="1" dirty="0">
               <a:latin typeface="Verdana"/>
               <a:cs typeface="Verdana"/>
             </a:endParaRPr>
@@ -3241,8 +3241,8 @@
         </p:nvSpPr>
         <p:spPr>
           <a:xfrm>
-            <a:off x="2312270" y="336227"/>
-            <a:ext cx="3472525" cy="830997"/>
+            <a:off x="1885017" y="83145"/>
+            <a:ext cx="4856919" cy="1015663"/>
           </a:xfrm>
           <a:prstGeom prst="rect">
             <a:avLst/>
@@ -3256,13 +3256,13 @@
           <a:lstStyle/>
           <a:p>
             <a:r>
-              <a:rPr lang="en-US" sz="4800" dirty="0" err="1" smtClean="0">
+              <a:rPr lang="en-US" sz="6000" b="1" dirty="0" err="1" smtClean="0">
                 <a:latin typeface="Verdana"/>
                 <a:cs typeface="Verdana"/>
               </a:rPr>
               <a:t>Blockchain</a:t>
             </a:r>
-            <a:endParaRPr lang="en-US" sz="4800" dirty="0">
+            <a:endParaRPr lang="en-US" sz="6000" b="1" dirty="0">
               <a:latin typeface="Verdana"/>
               <a:cs typeface="Verdana"/>
             </a:endParaRPr>
@@ -3682,7 +3682,7 @@
         <p:spPr>
           <a:xfrm>
             <a:off x="5614925" y="5355583"/>
-            <a:ext cx="1982521" cy="923330"/>
+            <a:ext cx="1723699" cy="1107996"/>
           </a:xfrm>
           <a:prstGeom prst="rect">
             <a:avLst/>
@@ -3701,10 +3701,10 @@
           <a:lstStyle/>
           <a:p>
             <a:r>
-              <a:rPr lang="en-US" sz="5400" dirty="0" err="1" smtClean="0"/>
-              <a:t>d.data</a:t>
-            </a:r>
-            <a:endParaRPr lang="en-US" sz="5400" dirty="0"/>
+              <a:rPr lang="en-US" sz="6600" dirty="0" smtClean="0"/>
+              <a:t>data</a:t>
+            </a:r>
+            <a:endParaRPr lang="en-US" sz="6600" dirty="0"/>
           </a:p>
         </p:txBody>
       </p:sp>
@@ -3716,8 +3716,8 @@
         </p:nvSpPr>
         <p:spPr>
           <a:xfrm>
-            <a:off x="9099613" y="853270"/>
-            <a:ext cx="2435054" cy="923330"/>
+            <a:off x="9099613" y="590977"/>
+            <a:ext cx="2435054" cy="1107996"/>
           </a:xfrm>
           <a:prstGeom prst="rect">
             <a:avLst/>
@@ -3734,10 +3734,10 @@
           <a:lstStyle/>
           <a:p>
             <a:r>
-              <a:rPr lang="en-US" sz="5400" dirty="0" err="1" smtClean="0"/>
-              <a:t>d.spec</a:t>
-            </a:r>
-            <a:endParaRPr lang="en-US" sz="5400" dirty="0"/>
+              <a:rPr lang="en-US" sz="6600" dirty="0" smtClean="0"/>
+              <a:t>spec</a:t>
+            </a:r>
+            <a:endParaRPr lang="en-US" sz="6600" dirty="0"/>
           </a:p>
         </p:txBody>
       </p:sp>
@@ -3749,8 +3749,8 @@
         </p:nvSpPr>
         <p:spPr>
           <a:xfrm>
-            <a:off x="7921123" y="2392536"/>
-            <a:ext cx="4525579" cy="1754327"/>
+            <a:off x="7921123" y="2244550"/>
+            <a:ext cx="4525579" cy="2123658"/>
           </a:xfrm>
           <a:prstGeom prst="rect">
             <a:avLst/>
@@ -3768,37 +3768,37 @@
           <a:p>
             <a:pPr algn="ctr"/>
             <a:r>
-              <a:rPr lang="en-US" sz="5400" dirty="0" err="1" smtClean="0"/>
-              <a:t>d.ans</a:t>
-            </a:r>
-            <a:r>
-              <a:rPr lang="en-US" sz="5400" dirty="0" smtClean="0"/>
-              <a:t> = </a:t>
+              <a:rPr lang="en-US" sz="6600" dirty="0" err="1" smtClean="0"/>
+              <a:t>ans</a:t>
+            </a:r>
+            <a:r>
+              <a:rPr lang="en-US" sz="6600" dirty="0" smtClean="0"/>
+              <a:t> </a:t>
+            </a:r>
+            <a:r>
+              <a:rPr lang="en-US" sz="6600" dirty="0" smtClean="0"/>
+              <a:t>= </a:t>
             </a:r>
           </a:p>
           <a:p>
             <a:pPr algn="ctr"/>
             <a:r>
-              <a:rPr lang="en-US" sz="5400" dirty="0" smtClean="0"/>
-              <a:t>(</a:t>
-            </a:r>
-            <a:r>
-              <a:rPr lang="en-US" sz="5400" dirty="0" err="1" smtClean="0"/>
-              <a:t>d.spec</a:t>
-            </a:r>
-            <a:r>
-              <a:rPr lang="en-US" sz="5400" dirty="0" smtClean="0"/>
+              <a:rPr lang="en-US" sz="6600" dirty="0" smtClean="0"/>
+              <a:t>(spec</a:t>
+            </a:r>
+            <a:r>
+              <a:rPr lang="en-US" sz="6600" dirty="0" smtClean="0"/>
               <a:t>, </a:t>
             </a:r>
             <a:r>
-              <a:rPr lang="en-US" sz="5400" dirty="0" err="1" smtClean="0"/>
-              <a:t>d.data</a:t>
-            </a:r>
-            <a:r>
-              <a:rPr lang="en-US" sz="5400" dirty="0" smtClean="0"/>
+              <a:rPr lang="en-US" sz="6600" dirty="0" smtClean="0"/>
+              <a:t>data</a:t>
+            </a:r>
+            <a:r>
+              <a:rPr lang="en-US" sz="6600" dirty="0" smtClean="0"/>
               <a:t>)</a:t>
             </a:r>
-            <a:endParaRPr lang="en-US" sz="5400" dirty="0"/>
+            <a:endParaRPr lang="en-US" sz="6600" dirty="0"/>
           </a:p>
         </p:txBody>
       </p:sp>
@@ -4000,7 +4000,7 @@
         </p:nvSpPr>
         <p:spPr>
           <a:xfrm>
-            <a:off x="9680782" y="152176"/>
+            <a:off x="10720599" y="309253"/>
             <a:ext cx="925566" cy="857970"/>
           </a:xfrm>
           <a:prstGeom prst="ellipse">
@@ -4061,7 +4061,7 @@
         </p:nvSpPr>
         <p:spPr>
           <a:xfrm>
-            <a:off x="9680782" y="4605382"/>
+            <a:off x="10787533" y="4605382"/>
             <a:ext cx="925566" cy="857970"/>
           </a:xfrm>
           <a:prstGeom prst="ellipse">
@@ -4170,8 +4170,8 @@
         </p:nvSpPr>
         <p:spPr>
           <a:xfrm>
-            <a:off x="538120" y="5292684"/>
-            <a:ext cx="4457478" cy="1754327"/>
+            <a:off x="437244" y="5011754"/>
+            <a:ext cx="4457478" cy="2123658"/>
           </a:xfrm>
           <a:prstGeom prst="rect">
             <a:avLst/>
@@ -4189,37 +4189,33 @@
           <a:p>
             <a:pPr algn="ctr"/>
             <a:r>
-              <a:rPr lang="en-US" sz="5400" dirty="0" err="1" smtClean="0"/>
-              <a:t>d.req</a:t>
-            </a:r>
-            <a:r>
-              <a:rPr lang="en-US" sz="5400" dirty="0" smtClean="0"/>
-              <a:t> = </a:t>
+              <a:rPr lang="en-US" sz="6600" dirty="0" err="1" smtClean="0"/>
+              <a:t>req</a:t>
+            </a:r>
+            <a:r>
+              <a:rPr lang="en-US" sz="6600" dirty="0" smtClean="0"/>
+              <a:t> </a:t>
+            </a:r>
+            <a:r>
+              <a:rPr lang="en-US" sz="6600" dirty="0" smtClean="0"/>
+              <a:t>= </a:t>
             </a:r>
           </a:p>
           <a:p>
             <a:pPr algn="ctr"/>
             <a:r>
-              <a:rPr lang="en-US" sz="5400" dirty="0" smtClean="0"/>
-              <a:t>(</a:t>
-            </a:r>
-            <a:r>
-              <a:rPr lang="en-US" sz="5400" dirty="0" err="1" smtClean="0"/>
-              <a:t>d.spec</a:t>
-            </a:r>
-            <a:r>
-              <a:rPr lang="en-US" sz="5400" dirty="0" smtClean="0"/>
-              <a:t>, </a:t>
-            </a:r>
-            <a:r>
-              <a:rPr lang="en-US" sz="5400" dirty="0" err="1" smtClean="0"/>
-              <a:t>d.pay</a:t>
-            </a:r>
-            <a:r>
-              <a:rPr lang="en-US" sz="5400" dirty="0" smtClean="0"/>
+              <a:rPr lang="en-US" sz="6600" dirty="0" smtClean="0"/>
+              <a:t>(spec, $</a:t>
+            </a:r>
+            <a:r>
+              <a:rPr lang="en-US" sz="6600" dirty="0" err="1" smtClean="0"/>
+              <a:t>val</a:t>
+            </a:r>
+            <a:r>
+              <a:rPr lang="en-US" sz="6600" dirty="0" smtClean="0"/>
               <a:t>)</a:t>
             </a:r>
-            <a:endParaRPr lang="en-US" sz="5400" dirty="0"/>
+            <a:endParaRPr lang="en-US" sz="6600" dirty="0"/>
           </a:p>
         </p:txBody>
       </p:sp>
@@ -4232,7 +4228,7 @@
         <p:spPr>
           <a:xfrm>
             <a:off x="12450007" y="5292684"/>
-            <a:ext cx="5651999" cy="1938992"/>
+            <a:ext cx="5651999" cy="2123658"/>
           </a:xfrm>
           <a:prstGeom prst="rect">
             <a:avLst/>
@@ -4254,8 +4250,8 @@
               <a:t>(obtains </a:t>
             </a:r>
             <a:r>
-              <a:rPr lang="en-US" sz="6000" dirty="0" err="1" smtClean="0"/>
-              <a:t>d.data</a:t>
+              <a:rPr lang="en-US" sz="7200" dirty="0" smtClean="0"/>
+              <a:t>data</a:t>
             </a:r>
             <a:r>
               <a:rPr lang="en-US" sz="6000" dirty="0" smtClean="0"/>
@@ -4266,14 +4262,7 @@
                 <a:latin typeface="Times New Roman"/>
                 <a:cs typeface="Times New Roman"/>
               </a:rPr>
-              <a:t>from data </a:t>
-            </a:r>
-            <a:r>
-              <a:rPr lang="en-US" sz="6000" dirty="0" smtClean="0">
-                <a:latin typeface="Times New Roman"/>
-                <a:cs typeface="Times New Roman"/>
-              </a:rPr>
-              <a:t>source)</a:t>
+              <a:t>from data source)</a:t>
             </a:r>
             <a:endParaRPr lang="en-US" sz="6000" dirty="0">
               <a:latin typeface="Times New Roman"/>

--- a/writeup/figures/DataflowFig.pptx
+++ b/writeup/figures/DataflowFig.pptx
@@ -3773,30 +3773,14 @@
             </a:r>
             <a:r>
               <a:rPr lang="en-US" sz="6600" dirty="0" smtClean="0"/>
-              <a:t> </a:t>
-            </a:r>
+              <a:t> = </a:t>
+            </a:r>
+          </a:p>
+          <a:p>
+            <a:pPr algn="ctr"/>
             <a:r>
               <a:rPr lang="en-US" sz="6600" dirty="0" smtClean="0"/>
-              <a:t>= </a:t>
-            </a:r>
-          </a:p>
-          <a:p>
-            <a:pPr algn="ctr"/>
-            <a:r>
-              <a:rPr lang="en-US" sz="6600" dirty="0" smtClean="0"/>
-              <a:t>(spec</a:t>
-            </a:r>
-            <a:r>
-              <a:rPr lang="en-US" sz="6600" dirty="0" smtClean="0"/>
-              <a:t>, </a:t>
-            </a:r>
-            <a:r>
-              <a:rPr lang="en-US" sz="6600" dirty="0" smtClean="0"/>
-              <a:t>data</a:t>
-            </a:r>
-            <a:r>
-              <a:rPr lang="en-US" sz="6600" dirty="0" smtClean="0"/>
-              <a:t>)</a:t>
+              <a:t>(spec, data)</a:t>
             </a:r>
             <a:endParaRPr lang="en-US" sz="6600" dirty="0"/>
           </a:p>
@@ -4194,26 +4178,18 @@
             </a:r>
             <a:r>
               <a:rPr lang="en-US" sz="6600" dirty="0" smtClean="0"/>
-              <a:t> </a:t>
-            </a:r>
+              <a:t> = </a:t>
+            </a:r>
+          </a:p>
+          <a:p>
+            <a:pPr algn="ctr"/>
             <a:r>
               <a:rPr lang="en-US" sz="6600" dirty="0" smtClean="0"/>
-              <a:t>= </a:t>
-            </a:r>
-          </a:p>
-          <a:p>
-            <a:pPr algn="ctr"/>
-            <a:r>
-              <a:rPr lang="en-US" sz="6600" dirty="0" smtClean="0"/>
-              <a:t>(spec, $</a:t>
-            </a:r>
-            <a:r>
-              <a:rPr lang="en-US" sz="6600" dirty="0" err="1" smtClean="0"/>
-              <a:t>val</a:t>
-            </a:r>
-            <a:r>
-              <a:rPr lang="en-US" sz="6600" dirty="0" smtClean="0"/>
-              <a:t>)</a:t>
+              <a:t>(spec, </a:t>
+            </a:r>
+            <a:r>
+              <a:rPr lang="en-US" sz="6600" smtClean="0"/>
+              <a:t>$fee)</a:t>
             </a:r>
             <a:endParaRPr lang="en-US" sz="6600" dirty="0"/>
           </a:p>

--- a/writeup/figures/DataflowFig.pptx
+++ b/writeup/figures/DataflowFig.pptx
@@ -288,7 +288,7 @@
           <a:p>
             <a:fld id="{6CABA93C-DC80-9046-97C2-C65CE0460EDC}" type="datetimeFigureOut">
               <a:rPr lang="en-US" smtClean="0"/>
-              <a:t>1/29/16</a:t>
+              <a:t>2/2/16</a:t>
             </a:fld>
             <a:endParaRPr lang="en-US"/>
           </a:p>
@@ -458,7 +458,7 @@
           <a:p>
             <a:fld id="{6CABA93C-DC80-9046-97C2-C65CE0460EDC}" type="datetimeFigureOut">
               <a:rPr lang="en-US" smtClean="0"/>
-              <a:t>1/29/16</a:t>
+              <a:t>2/2/16</a:t>
             </a:fld>
             <a:endParaRPr lang="en-US"/>
           </a:p>
@@ -638,7 +638,7 @@
           <a:p>
             <a:fld id="{6CABA93C-DC80-9046-97C2-C65CE0460EDC}" type="datetimeFigureOut">
               <a:rPr lang="en-US" smtClean="0"/>
-              <a:t>1/29/16</a:t>
+              <a:t>2/2/16</a:t>
             </a:fld>
             <a:endParaRPr lang="en-US"/>
           </a:p>
@@ -808,7 +808,7 @@
           <a:p>
             <a:fld id="{6CABA93C-DC80-9046-97C2-C65CE0460EDC}" type="datetimeFigureOut">
               <a:rPr lang="en-US" smtClean="0"/>
-              <a:t>1/29/16</a:t>
+              <a:t>2/2/16</a:t>
             </a:fld>
             <a:endParaRPr lang="en-US"/>
           </a:p>
@@ -1054,7 +1054,7 @@
           <a:p>
             <a:fld id="{6CABA93C-DC80-9046-97C2-C65CE0460EDC}" type="datetimeFigureOut">
               <a:rPr lang="en-US" smtClean="0"/>
-              <a:t>1/29/16</a:t>
+              <a:t>2/2/16</a:t>
             </a:fld>
             <a:endParaRPr lang="en-US"/>
           </a:p>
@@ -1342,7 +1342,7 @@
           <a:p>
             <a:fld id="{6CABA93C-DC80-9046-97C2-C65CE0460EDC}" type="datetimeFigureOut">
               <a:rPr lang="en-US" smtClean="0"/>
-              <a:t>1/29/16</a:t>
+              <a:t>2/2/16</a:t>
             </a:fld>
             <a:endParaRPr lang="en-US"/>
           </a:p>
@@ -1769,7 +1769,7 @@
           <a:p>
             <a:fld id="{6CABA93C-DC80-9046-97C2-C65CE0460EDC}" type="datetimeFigureOut">
               <a:rPr lang="en-US" smtClean="0"/>
-              <a:t>1/29/16</a:t>
+              <a:t>2/2/16</a:t>
             </a:fld>
             <a:endParaRPr lang="en-US"/>
           </a:p>
@@ -1887,7 +1887,7 @@
           <a:p>
             <a:fld id="{6CABA93C-DC80-9046-97C2-C65CE0460EDC}" type="datetimeFigureOut">
               <a:rPr lang="en-US" smtClean="0"/>
-              <a:t>1/29/16</a:t>
+              <a:t>2/2/16</a:t>
             </a:fld>
             <a:endParaRPr lang="en-US"/>
           </a:p>
@@ -1982,7 +1982,7 @@
           <a:p>
             <a:fld id="{6CABA93C-DC80-9046-97C2-C65CE0460EDC}" type="datetimeFigureOut">
               <a:rPr lang="en-US" smtClean="0"/>
-              <a:t>1/29/16</a:t>
+              <a:t>2/2/16</a:t>
             </a:fld>
             <a:endParaRPr lang="en-US"/>
           </a:p>
@@ -2259,7 +2259,7 @@
           <a:p>
             <a:fld id="{6CABA93C-DC80-9046-97C2-C65CE0460EDC}" type="datetimeFigureOut">
               <a:rPr lang="en-US" smtClean="0"/>
-              <a:t>1/29/16</a:t>
+              <a:t>2/2/16</a:t>
             </a:fld>
             <a:endParaRPr lang="en-US"/>
           </a:p>
@@ -2512,7 +2512,7 @@
           <a:p>
             <a:fld id="{6CABA93C-DC80-9046-97C2-C65CE0460EDC}" type="datetimeFigureOut">
               <a:rPr lang="en-US" smtClean="0"/>
-              <a:t>1/29/16</a:t>
+              <a:t>2/2/16</a:t>
             </a:fld>
             <a:endParaRPr lang="en-US"/>
           </a:p>
@@ -2725,7 +2725,7 @@
           <a:p>
             <a:fld id="{6CABA93C-DC80-9046-97C2-C65CE0460EDC}" type="datetimeFigureOut">
               <a:rPr lang="en-US" smtClean="0"/>
-              <a:t>1/29/16</a:t>
+              <a:t>2/2/16</a:t>
             </a:fld>
             <a:endParaRPr lang="en-US"/>
           </a:p>
@@ -3168,8 +3168,8 @@
           </p:nvSpPr>
           <p:spPr>
             <a:xfrm>
-              <a:off x="9292895" y="2686409"/>
-              <a:ext cx="2416748" cy="1006209"/>
+              <a:off x="9023645" y="2686409"/>
+              <a:ext cx="2918383" cy="1038077"/>
             </a:xfrm>
             <a:prstGeom prst="rect">
               <a:avLst/>
@@ -3183,13 +3183,13 @@
             <a:lstStyle/>
             <a:p>
               <a:r>
-                <a:rPr lang="en-US" sz="7200" dirty="0" smtClean="0">
+                <a:rPr lang="en-US" sz="8800" dirty="0" smtClean="0">
                   <a:latin typeface="Times New Roman"/>
                   <a:cs typeface="Times New Roman"/>
                 </a:rPr>
                 <a:t>Engine</a:t>
               </a:r>
-              <a:endParaRPr lang="en-US" sz="7200" dirty="0">
+              <a:endParaRPr lang="en-US" sz="8800" dirty="0">
                 <a:latin typeface="Times New Roman"/>
                 <a:cs typeface="Times New Roman"/>
               </a:endParaRPr>
@@ -3327,10 +3327,10 @@
         </p:nvGrpSpPr>
         <p:grpSpPr>
           <a:xfrm>
-            <a:off x="1384523" y="7639848"/>
-            <a:ext cx="5628918" cy="3557178"/>
+            <a:off x="1384523" y="8003156"/>
+            <a:ext cx="5628918" cy="3686311"/>
             <a:chOff x="559505" y="4930812"/>
-            <a:chExt cx="3353937" cy="2631942"/>
+            <a:chExt cx="3353937" cy="2996298"/>
           </a:xfrm>
         </p:grpSpPr>
         <p:sp>
@@ -3387,8 +3387,8 @@
           </p:nvSpPr>
           <p:spPr>
             <a:xfrm>
-              <a:off x="1277442" y="5112798"/>
-              <a:ext cx="1943889" cy="751485"/>
+              <a:off x="710893" y="4979350"/>
+              <a:ext cx="3059485" cy="888119"/>
             </a:xfrm>
             <a:prstGeom prst="rect">
               <a:avLst/>
@@ -3402,13 +3402,13 @@
             <a:lstStyle/>
             <a:p>
               <a:r>
-                <a:rPr lang="en-US" sz="6000" dirty="0" smtClean="0">
+                <a:rPr lang="en-US" sz="7200" dirty="0" smtClean="0">
                   <a:latin typeface="Times New Roman"/>
                   <a:cs typeface="Times New Roman"/>
                 </a:rPr>
-                <a:t>Requester</a:t>
+                <a:t>User contract</a:t>
               </a:r>
-              <a:endParaRPr lang="en-US" sz="6000" dirty="0">
+              <a:endParaRPr lang="en-US" sz="7200" dirty="0">
                 <a:latin typeface="Times New Roman"/>
                 <a:cs typeface="Times New Roman"/>
               </a:endParaRPr>
@@ -3424,7 +3424,7 @@
           <p:spPr>
             <a:xfrm>
               <a:off x="1904641" y="5672656"/>
-              <a:ext cx="1269925" cy="1890098"/>
+              <a:ext cx="1269925" cy="2254454"/>
             </a:xfrm>
             <a:prstGeom prst="rect">
               <a:avLst/>
@@ -3438,26 +3438,26 @@
             <a:lstStyle/>
             <a:p>
               <a:r>
-                <a:rPr lang="en-US" sz="8000" dirty="0" smtClean="0">
+                <a:rPr lang="en-US" sz="9600" dirty="0" smtClean="0">
                   <a:latin typeface="Monotype Corsiva"/>
                   <a:cs typeface="Monotype Corsiva"/>
                 </a:rPr>
                 <a:t>C</a:t>
               </a:r>
               <a:r>
-                <a:rPr lang="en-US" sz="8000" i="1" baseline="-25000" dirty="0" smtClean="0">
+                <a:rPr lang="en-US" sz="9600" i="1" baseline="-25000" dirty="0">
                   <a:latin typeface="Times"/>
                   <a:cs typeface="Times"/>
                 </a:rPr>
-                <a:t>R</a:t>
+                <a:t>U</a:t>
               </a:r>
-              <a:endParaRPr lang="en-US" sz="8000" i="1" dirty="0">
+              <a:endParaRPr lang="en-US" sz="9600" i="1" dirty="0">
                 <a:latin typeface="Times"/>
                 <a:cs typeface="Times"/>
               </a:endParaRPr>
             </a:p>
             <a:p>
-              <a:endParaRPr lang="en-US" sz="8000" dirty="0">
+              <a:endParaRPr lang="en-US" sz="9600" dirty="0">
                 <a:latin typeface="Monotype Corsiva"/>
                 <a:cs typeface="Monotype Corsiva"/>
               </a:endParaRPr>
@@ -3474,7 +3474,7 @@
         <p:grpSpPr>
           <a:xfrm>
             <a:off x="1384523" y="1496801"/>
-            <a:ext cx="5628919" cy="3065335"/>
+            <a:ext cx="5628919" cy="2871407"/>
             <a:chOff x="559506" y="1799844"/>
             <a:chExt cx="3211294" cy="2213794"/>
           </a:xfrm>
@@ -3533,8 +3533,8 @@
           </p:nvSpPr>
           <p:spPr>
             <a:xfrm>
-              <a:off x="1246909" y="1945853"/>
-              <a:ext cx="1890479" cy="733515"/>
+              <a:off x="1052059" y="1945853"/>
+              <a:ext cx="2241652" cy="866881"/>
             </a:xfrm>
             <a:prstGeom prst="rect">
               <a:avLst/>
@@ -3548,13 +3548,13 @@
             <a:lstStyle/>
             <a:p>
               <a:r>
-                <a:rPr lang="en-US" sz="6000" dirty="0" err="1" smtClean="0">
+                <a:rPr lang="en-US" sz="7200" dirty="0" err="1" smtClean="0">
                   <a:latin typeface="Times New Roman"/>
                   <a:cs typeface="Times New Roman"/>
                 </a:rPr>
                 <a:t>TContract</a:t>
               </a:r>
-              <a:endParaRPr lang="en-US" sz="6000" dirty="0">
+              <a:endParaRPr lang="en-US" sz="7200" dirty="0">
                 <a:latin typeface="Times New Roman"/>
                 <a:cs typeface="Times New Roman"/>
               </a:endParaRPr>
@@ -3569,8 +3569,8 @@
           </p:nvSpPr>
           <p:spPr>
             <a:xfrm>
-              <a:off x="1798736" y="2563782"/>
-              <a:ext cx="1494975" cy="955792"/>
+              <a:off x="1707903" y="2499689"/>
+              <a:ext cx="1494975" cy="1133613"/>
             </a:xfrm>
             <a:prstGeom prst="rect">
               <a:avLst/>
@@ -3584,20 +3584,20 @@
             <a:lstStyle/>
             <a:p>
               <a:r>
-                <a:rPr lang="en-US" sz="8000" dirty="0" smtClean="0">
+                <a:rPr lang="en-US" sz="9600" dirty="0" smtClean="0">
                   <a:latin typeface="Monotype Corsiva"/>
                   <a:cs typeface="Monotype Corsiva"/>
                 </a:rPr>
                 <a:t>C</a:t>
               </a:r>
               <a:r>
-                <a:rPr lang="en-US" sz="8000" i="1" baseline="-25000" dirty="0" smtClean="0">
+                <a:rPr lang="en-US" sz="9600" i="1" baseline="-25000" dirty="0" smtClean="0">
                   <a:latin typeface="Times"/>
                   <a:cs typeface="Times"/>
                 </a:rPr>
                 <a:t>TC</a:t>
               </a:r>
-              <a:endParaRPr lang="en-US" sz="8000" i="1" dirty="0">
+              <a:endParaRPr lang="en-US" sz="9600" i="1" dirty="0">
                 <a:latin typeface="Times"/>
                 <a:cs typeface="Times"/>
               </a:endParaRPr>
@@ -3613,8 +3613,8 @@
         </p:nvCxnSpPr>
         <p:spPr>
           <a:xfrm flipV="1">
-            <a:off x="2665983" y="4521187"/>
-            <a:ext cx="0" cy="3118660"/>
+            <a:off x="2665983" y="3912393"/>
+            <a:ext cx="0" cy="4464811"/>
           </a:xfrm>
           <a:prstGeom prst="line">
             <a:avLst/>
@@ -3647,13 +3647,16 @@
         </p:nvCxnSpPr>
         <p:spPr>
           <a:xfrm>
-            <a:off x="6452064" y="4562136"/>
-            <a:ext cx="0" cy="3077711"/>
+            <a:off x="6452064" y="3912393"/>
+            <a:ext cx="0" cy="4464811"/>
           </a:xfrm>
           <a:prstGeom prst="line">
             <a:avLst/>
           </a:prstGeom>
           <a:ln w="127000" cmpd="sng">
+            <a:solidFill>
+              <a:schemeClr val="accent1"/>
+            </a:solidFill>
             <a:headEnd type="none"/>
             <a:tailEnd type="arrow"/>
           </a:ln>
@@ -3681,8 +3684,8 @@
         </p:nvSpPr>
         <p:spPr>
           <a:xfrm>
-            <a:off x="5614925" y="5355583"/>
-            <a:ext cx="1723699" cy="1107996"/>
+            <a:off x="5614925" y="4926597"/>
+            <a:ext cx="1796867" cy="2123658"/>
           </a:xfrm>
           <a:prstGeom prst="rect">
             <a:avLst/>
@@ -3701,6 +3704,24 @@
           <a:lstStyle/>
           <a:p>
             <a:r>
+              <a:rPr lang="en-US" sz="6600" i="1" dirty="0" smtClean="0"/>
+              <a:t>m</a:t>
+            </a:r>
+            <a:r>
+              <a:rPr lang="en-US" sz="6600" baseline="-25000" dirty="0"/>
+              <a:t>4</a:t>
+            </a:r>
+            <a:r>
+              <a:rPr lang="en-US" sz="6600" baseline="-25000" dirty="0" smtClean="0"/>
+              <a:t> </a:t>
+            </a:r>
+            <a:r>
+              <a:rPr lang="en-US" sz="6600" dirty="0"/>
+              <a:t>= </a:t>
+            </a:r>
+          </a:p>
+          <a:p>
+            <a:r>
               <a:rPr lang="en-US" sz="6600" dirty="0" smtClean="0"/>
               <a:t>data</a:t>
             </a:r>
@@ -3716,8 +3737,8 @@
         </p:nvSpPr>
         <p:spPr>
           <a:xfrm>
-            <a:off x="9099613" y="590977"/>
-            <a:ext cx="2435054" cy="1107996"/>
+            <a:off x="7573428" y="280879"/>
+            <a:ext cx="5065313" cy="2123658"/>
           </a:xfrm>
           <a:prstGeom prst="rect">
             <a:avLst/>
@@ -3733,9 +3754,33 @@
           </a:bodyPr>
           <a:lstStyle/>
           <a:p>
+            <a:pPr algn="ctr"/>
+            <a:r>
+              <a:rPr lang="en-US" sz="6600" i="1" dirty="0"/>
+              <a:t>m</a:t>
+            </a:r>
+            <a:r>
+              <a:rPr lang="en-US" sz="6600" baseline="-25000" dirty="0" smtClean="0"/>
+              <a:t>2 </a:t>
+            </a:r>
             <a:r>
               <a:rPr lang="en-US" sz="6600" dirty="0" smtClean="0"/>
-              <a:t>spec</a:t>
+              <a:t>=</a:t>
+            </a:r>
+          </a:p>
+          <a:p>
+            <a:pPr algn="ctr"/>
+            <a:r>
+              <a:rPr lang="en-US" sz="6600" dirty="0" smtClean="0"/>
+              <a:t>(id, </a:t>
+            </a:r>
+            <a:r>
+              <a:rPr lang="en-US" sz="6600" dirty="0" err="1" smtClean="0"/>
+              <a:t>params</a:t>
+            </a:r>
+            <a:r>
+              <a:rPr lang="en-US" sz="6600" dirty="0" smtClean="0"/>
+              <a:t>)</a:t>
             </a:r>
             <a:endParaRPr lang="en-US" sz="6600" dirty="0"/>
           </a:p>
@@ -3749,8 +3794,8 @@
         </p:nvSpPr>
         <p:spPr>
           <a:xfrm>
-            <a:off x="7921123" y="2244550"/>
-            <a:ext cx="4525579" cy="2123658"/>
+            <a:off x="7924428" y="3195317"/>
+            <a:ext cx="4525579" cy="3139321"/>
           </a:xfrm>
           <a:prstGeom prst="rect">
             <a:avLst/>
@@ -3768,19 +3813,35 @@
           <a:p>
             <a:pPr algn="ctr"/>
             <a:r>
+              <a:rPr lang="en-US" sz="6600" i="1" dirty="0" smtClean="0"/>
+              <a:t>m</a:t>
+            </a:r>
+            <a:r>
+              <a:rPr lang="en-US" sz="6600" baseline="-25000" dirty="0" smtClean="0"/>
+              <a:t>3 </a:t>
+            </a:r>
+            <a:r>
+              <a:rPr lang="en-US" sz="6600" dirty="0" smtClean="0"/>
+              <a:t>= </a:t>
+            </a:r>
+          </a:p>
+          <a:p>
+            <a:pPr algn="ctr"/>
+            <a:r>
+              <a:rPr lang="en-US" sz="6600" dirty="0" smtClean="0"/>
+              <a:t>(id, </a:t>
+            </a:r>
+            <a:r>
               <a:rPr lang="en-US" sz="6600" dirty="0" err="1" smtClean="0"/>
-              <a:t>ans</a:t>
+              <a:t>params</a:t>
             </a:r>
             <a:r>
               <a:rPr lang="en-US" sz="6600" dirty="0" smtClean="0"/>
-              <a:t> = </a:t>
-            </a:r>
-          </a:p>
-          <a:p>
-            <a:pPr algn="ctr"/>
+              <a:t>, </a:t>
+            </a:r>
             <a:r>
               <a:rPr lang="en-US" sz="6600" dirty="0" smtClean="0"/>
-              <a:t>(spec, data)</a:t>
+              <a:t>data)</a:t>
             </a:r>
             <a:endParaRPr lang="en-US" sz="6600" dirty="0"/>
           </a:p>
@@ -3794,8 +3855,8 @@
         </p:nvCxnSpPr>
         <p:spPr>
           <a:xfrm>
-            <a:off x="7013442" y="1838329"/>
-            <a:ext cx="5436564" cy="0"/>
+            <a:off x="7013442" y="2404537"/>
+            <a:ext cx="5843306" cy="0"/>
           </a:xfrm>
           <a:prstGeom prst="line">
             <a:avLst/>
@@ -3856,258 +3917,14 @@
       </p:cxnSp>
       <p:sp>
         <p:nvSpPr>
-          <p:cNvPr id="53" name="Oval 52"/>
-          <p:cNvSpPr/>
-          <p:nvPr/>
-        </p:nvSpPr>
-        <p:spPr>
-          <a:xfrm>
-            <a:off x="4707726" y="4865036"/>
-            <a:ext cx="925566" cy="857970"/>
-          </a:xfrm>
-          <a:prstGeom prst="ellipse">
-            <a:avLst/>
-          </a:prstGeom>
-          <a:solidFill>
-            <a:schemeClr val="accent2">
-              <a:lumMod val="20000"/>
-              <a:lumOff val="80000"/>
-            </a:schemeClr>
-          </a:solidFill>
-          <a:ln>
-            <a:solidFill>
-              <a:schemeClr val="tx1"/>
-            </a:solidFill>
-          </a:ln>
-        </p:spPr>
-        <p:style>
-          <a:lnRef idx="1">
-            <a:schemeClr val="accent1"/>
-          </a:lnRef>
-          <a:fillRef idx="3">
-            <a:schemeClr val="accent1"/>
-          </a:fillRef>
-          <a:effectRef idx="2">
-            <a:schemeClr val="accent1"/>
-          </a:effectRef>
-          <a:fontRef idx="minor">
-            <a:schemeClr val="lt1"/>
-          </a:fontRef>
-        </p:style>
-        <p:txBody>
-          <a:bodyPr rtlCol="0" anchor="ctr"/>
-          <a:lstStyle/>
-          <a:p>
-            <a:pPr algn="ctr"/>
-            <a:r>
-              <a:rPr lang="en-US" sz="6600" dirty="0" smtClean="0">
-                <a:solidFill>
-                  <a:schemeClr val="tx1"/>
-                </a:solidFill>
-              </a:rPr>
-              <a:t>4</a:t>
-            </a:r>
-            <a:endParaRPr lang="en-US" sz="6600" dirty="0">
-              <a:solidFill>
-                <a:schemeClr val="tx1"/>
-              </a:solidFill>
-            </a:endParaRPr>
-          </a:p>
-        </p:txBody>
-      </p:sp>
-      <p:sp>
-        <p:nvSpPr>
-          <p:cNvPr id="55" name="Oval 54"/>
-          <p:cNvSpPr/>
-          <p:nvPr/>
-        </p:nvSpPr>
-        <p:spPr>
-          <a:xfrm>
-            <a:off x="713031" y="4926598"/>
-            <a:ext cx="925566" cy="857970"/>
-          </a:xfrm>
-          <a:prstGeom prst="ellipse">
-            <a:avLst/>
-          </a:prstGeom>
-          <a:solidFill>
-            <a:schemeClr val="accent2">
-              <a:lumMod val="20000"/>
-              <a:lumOff val="80000"/>
-            </a:schemeClr>
-          </a:solidFill>
-          <a:ln>
-            <a:solidFill>
-              <a:schemeClr val="tx1"/>
-            </a:solidFill>
-          </a:ln>
-        </p:spPr>
-        <p:style>
-          <a:lnRef idx="1">
-            <a:schemeClr val="accent1"/>
-          </a:lnRef>
-          <a:fillRef idx="3">
-            <a:schemeClr val="accent1"/>
-          </a:fillRef>
-          <a:effectRef idx="2">
-            <a:schemeClr val="accent1"/>
-          </a:effectRef>
-          <a:fontRef idx="minor">
-            <a:schemeClr val="lt1"/>
-          </a:fontRef>
-        </p:style>
-        <p:txBody>
-          <a:bodyPr rtlCol="0" anchor="ctr"/>
-          <a:lstStyle/>
-          <a:p>
-            <a:pPr algn="ctr"/>
-            <a:r>
-              <a:rPr lang="en-US" sz="6600" dirty="0" smtClean="0">
-                <a:solidFill>
-                  <a:schemeClr val="tx1"/>
-                </a:solidFill>
-              </a:rPr>
-              <a:t>1</a:t>
-            </a:r>
-            <a:endParaRPr lang="en-US" sz="6600" dirty="0">
-              <a:solidFill>
-                <a:schemeClr val="tx1"/>
-              </a:solidFill>
-            </a:endParaRPr>
-          </a:p>
-        </p:txBody>
-      </p:sp>
-      <p:sp>
-        <p:nvSpPr>
-          <p:cNvPr id="56" name="Oval 55"/>
-          <p:cNvSpPr/>
-          <p:nvPr/>
-        </p:nvSpPr>
-        <p:spPr>
-          <a:xfrm>
-            <a:off x="10720599" y="309253"/>
-            <a:ext cx="925566" cy="857970"/>
-          </a:xfrm>
-          <a:prstGeom prst="ellipse">
-            <a:avLst/>
-          </a:prstGeom>
-          <a:solidFill>
-            <a:schemeClr val="accent2">
-              <a:lumMod val="20000"/>
-              <a:lumOff val="80000"/>
-            </a:schemeClr>
-          </a:solidFill>
-          <a:ln>
-            <a:solidFill>
-              <a:schemeClr val="tx1"/>
-            </a:solidFill>
-          </a:ln>
-        </p:spPr>
-        <p:style>
-          <a:lnRef idx="1">
-            <a:schemeClr val="accent1"/>
-          </a:lnRef>
-          <a:fillRef idx="3">
-            <a:schemeClr val="accent1"/>
-          </a:fillRef>
-          <a:effectRef idx="2">
-            <a:schemeClr val="accent1"/>
-          </a:effectRef>
-          <a:fontRef idx="minor">
-            <a:schemeClr val="lt1"/>
-          </a:fontRef>
-        </p:style>
-        <p:txBody>
-          <a:bodyPr rtlCol="0" anchor="ctr"/>
-          <a:lstStyle/>
-          <a:p>
-            <a:pPr algn="ctr"/>
-            <a:r>
-              <a:rPr lang="en-US" sz="6600" dirty="0" smtClean="0">
-                <a:solidFill>
-                  <a:schemeClr val="tx1"/>
-                </a:solidFill>
-              </a:rPr>
-              <a:t>2</a:t>
-            </a:r>
-            <a:endParaRPr lang="en-US" sz="6600" dirty="0">
-              <a:solidFill>
-                <a:schemeClr val="tx1"/>
-              </a:solidFill>
-            </a:endParaRPr>
-          </a:p>
-        </p:txBody>
-      </p:sp>
-      <p:sp>
-        <p:nvSpPr>
-          <p:cNvPr id="58" name="Oval 57"/>
-          <p:cNvSpPr/>
-          <p:nvPr/>
-        </p:nvSpPr>
-        <p:spPr>
-          <a:xfrm>
-            <a:off x="10787533" y="4605382"/>
-            <a:ext cx="925566" cy="857970"/>
-          </a:xfrm>
-          <a:prstGeom prst="ellipse">
-            <a:avLst/>
-          </a:prstGeom>
-          <a:solidFill>
-            <a:schemeClr val="accent2">
-              <a:lumMod val="20000"/>
-              <a:lumOff val="80000"/>
-            </a:schemeClr>
-          </a:solidFill>
-          <a:ln>
-            <a:solidFill>
-              <a:schemeClr val="tx1"/>
-            </a:solidFill>
-          </a:ln>
-        </p:spPr>
-        <p:style>
-          <a:lnRef idx="1">
-            <a:schemeClr val="accent1"/>
-          </a:lnRef>
-          <a:fillRef idx="3">
-            <a:schemeClr val="accent1"/>
-          </a:fillRef>
-          <a:effectRef idx="2">
-            <a:schemeClr val="accent1"/>
-          </a:effectRef>
-          <a:fontRef idx="minor">
-            <a:schemeClr val="lt1"/>
-          </a:fontRef>
-        </p:style>
-        <p:txBody>
-          <a:bodyPr rtlCol="0" anchor="ctr"/>
-          <a:lstStyle/>
-          <a:p>
-            <a:pPr algn="ctr"/>
-            <a:r>
-              <a:rPr lang="en-US" sz="6600" dirty="0" smtClean="0">
-                <a:solidFill>
-                  <a:schemeClr val="tx1"/>
-                </a:solidFill>
-              </a:rPr>
-              <a:t>3</a:t>
-            </a:r>
-            <a:endParaRPr lang="en-US" sz="6600" dirty="0">
-              <a:solidFill>
-                <a:schemeClr val="tx1"/>
-              </a:solidFill>
-            </a:endParaRPr>
-          </a:p>
-        </p:txBody>
-      </p:sp>
-      <p:sp>
-        <p:nvSpPr>
           <p:cNvPr id="54" name="Rectangle 53"/>
           <p:cNvSpPr/>
           <p:nvPr/>
         </p:nvSpPr>
         <p:spPr>
           <a:xfrm>
-            <a:off x="2312270" y="5355583"/>
-            <a:ext cx="765775" cy="1691428"/>
+            <a:off x="2312270" y="4926597"/>
+            <a:ext cx="765775" cy="2713249"/>
           </a:xfrm>
           <a:prstGeom prst="rect">
             <a:avLst/>
@@ -4154,8 +3971,8 @@
         </p:nvSpPr>
         <p:spPr>
           <a:xfrm>
-            <a:off x="437244" y="5011754"/>
-            <a:ext cx="4457478" cy="2123658"/>
+            <a:off x="-158459" y="4512896"/>
+            <a:ext cx="5773384" cy="3139321"/>
           </a:xfrm>
           <a:prstGeom prst="rect">
             <a:avLst/>
@@ -4173,23 +3990,38 @@
           <a:p>
             <a:pPr algn="ctr"/>
             <a:r>
+              <a:rPr lang="en-US" sz="6600" i="1" dirty="0" smtClean="0"/>
+              <a:t>m</a:t>
+            </a:r>
+            <a:r>
+              <a:rPr lang="en-US" sz="6600" baseline="-25000" dirty="0" smtClean="0"/>
+              <a:t>1 </a:t>
+            </a:r>
+            <a:r>
+              <a:rPr lang="en-US" sz="6600" dirty="0" smtClean="0"/>
+              <a:t>= </a:t>
+            </a:r>
+          </a:p>
+          <a:p>
+            <a:pPr algn="ctr"/>
+            <a:r>
+              <a:rPr lang="en-US" sz="6600" dirty="0" smtClean="0"/>
+              <a:t>(id, </a:t>
+            </a:r>
+            <a:r>
               <a:rPr lang="en-US" sz="6600" dirty="0" err="1" smtClean="0"/>
-              <a:t>req</a:t>
+              <a:t>params</a:t>
             </a:r>
             <a:r>
               <a:rPr lang="en-US" sz="6600" dirty="0" smtClean="0"/>
-              <a:t> = </a:t>
+              <a:t>,</a:t>
             </a:r>
           </a:p>
           <a:p>
             <a:pPr algn="ctr"/>
             <a:r>
-              <a:rPr lang="en-US" sz="6600" dirty="0" smtClean="0"/>
-              <a:t>(spec, </a:t>
-            </a:r>
-            <a:r>
-              <a:rPr lang="en-US" sz="6600" smtClean="0"/>
-              <a:t>$fee)</a:t>
+              <a:rPr lang="en-US" sz="6600" dirty="0"/>
+              <a:t>callback)</a:t>
             </a:r>
             <a:endParaRPr lang="en-US" sz="6600" dirty="0"/>
           </a:p>
@@ -4203,7 +4035,7 @@
         </p:nvSpPr>
         <p:spPr>
           <a:xfrm>
-            <a:off x="12450007" y="5292684"/>
+            <a:off x="12450007" y="4932019"/>
             <a:ext cx="5651999" cy="2123658"/>
           </a:xfrm>
           <a:prstGeom prst="rect">
@@ -4257,6 +4089,13 @@
   <p:clrMapOvr>
     <a:masterClrMapping/>
   </p:clrMapOvr>
+  <p:timing>
+    <p:tnLst>
+      <p:par>
+        <p:cTn xmlns:p14="http://schemas.microsoft.com/office/powerpoint/2010/main" id="1" dur="indefinite" restart="never" nodeType="tmRoot"/>
+      </p:par>
+    </p:tnLst>
+  </p:timing>
 </p:sld>
 </file>
 

--- a/writeup/figures/DataflowFig.pptx
+++ b/writeup/figures/DataflowFig.pptx
@@ -288,7 +288,7 @@
           <a:p>
             <a:fld id="{6CABA93C-DC80-9046-97C2-C65CE0460EDC}" type="datetimeFigureOut">
               <a:rPr lang="en-US" smtClean="0"/>
-              <a:t>2/2/16</a:t>
+              <a:t>2/4/16</a:t>
             </a:fld>
             <a:endParaRPr lang="en-US"/>
           </a:p>
@@ -458,7 +458,7 @@
           <a:p>
             <a:fld id="{6CABA93C-DC80-9046-97C2-C65CE0460EDC}" type="datetimeFigureOut">
               <a:rPr lang="en-US" smtClean="0"/>
-              <a:t>2/2/16</a:t>
+              <a:t>2/4/16</a:t>
             </a:fld>
             <a:endParaRPr lang="en-US"/>
           </a:p>
@@ -638,7 +638,7 @@
           <a:p>
             <a:fld id="{6CABA93C-DC80-9046-97C2-C65CE0460EDC}" type="datetimeFigureOut">
               <a:rPr lang="en-US" smtClean="0"/>
-              <a:t>2/2/16</a:t>
+              <a:t>2/4/16</a:t>
             </a:fld>
             <a:endParaRPr lang="en-US"/>
           </a:p>
@@ -808,7 +808,7 @@
           <a:p>
             <a:fld id="{6CABA93C-DC80-9046-97C2-C65CE0460EDC}" type="datetimeFigureOut">
               <a:rPr lang="en-US" smtClean="0"/>
-              <a:t>2/2/16</a:t>
+              <a:t>2/4/16</a:t>
             </a:fld>
             <a:endParaRPr lang="en-US"/>
           </a:p>
@@ -1054,7 +1054,7 @@
           <a:p>
             <a:fld id="{6CABA93C-DC80-9046-97C2-C65CE0460EDC}" type="datetimeFigureOut">
               <a:rPr lang="en-US" smtClean="0"/>
-              <a:t>2/2/16</a:t>
+              <a:t>2/4/16</a:t>
             </a:fld>
             <a:endParaRPr lang="en-US"/>
           </a:p>
@@ -1342,7 +1342,7 @@
           <a:p>
             <a:fld id="{6CABA93C-DC80-9046-97C2-C65CE0460EDC}" type="datetimeFigureOut">
               <a:rPr lang="en-US" smtClean="0"/>
-              <a:t>2/2/16</a:t>
+              <a:t>2/4/16</a:t>
             </a:fld>
             <a:endParaRPr lang="en-US"/>
           </a:p>
@@ -1769,7 +1769,7 @@
           <a:p>
             <a:fld id="{6CABA93C-DC80-9046-97C2-C65CE0460EDC}" type="datetimeFigureOut">
               <a:rPr lang="en-US" smtClean="0"/>
-              <a:t>2/2/16</a:t>
+              <a:t>2/4/16</a:t>
             </a:fld>
             <a:endParaRPr lang="en-US"/>
           </a:p>
@@ -1887,7 +1887,7 @@
           <a:p>
             <a:fld id="{6CABA93C-DC80-9046-97C2-C65CE0460EDC}" type="datetimeFigureOut">
               <a:rPr lang="en-US" smtClean="0"/>
-              <a:t>2/2/16</a:t>
+              <a:t>2/4/16</a:t>
             </a:fld>
             <a:endParaRPr lang="en-US"/>
           </a:p>
@@ -1982,7 +1982,7 @@
           <a:p>
             <a:fld id="{6CABA93C-DC80-9046-97C2-C65CE0460EDC}" type="datetimeFigureOut">
               <a:rPr lang="en-US" smtClean="0"/>
-              <a:t>2/2/16</a:t>
+              <a:t>2/4/16</a:t>
             </a:fld>
             <a:endParaRPr lang="en-US"/>
           </a:p>
@@ -2259,7 +2259,7 @@
           <a:p>
             <a:fld id="{6CABA93C-DC80-9046-97C2-C65CE0460EDC}" type="datetimeFigureOut">
               <a:rPr lang="en-US" smtClean="0"/>
-              <a:t>2/2/16</a:t>
+              <a:t>2/4/16</a:t>
             </a:fld>
             <a:endParaRPr lang="en-US"/>
           </a:p>
@@ -2512,7 +2512,7 @@
           <a:p>
             <a:fld id="{6CABA93C-DC80-9046-97C2-C65CE0460EDC}" type="datetimeFigureOut">
               <a:rPr lang="en-US" smtClean="0"/>
-              <a:t>2/2/16</a:t>
+              <a:t>2/4/16</a:t>
             </a:fld>
             <a:endParaRPr lang="en-US"/>
           </a:p>
@@ -2725,7 +2725,7 @@
           <a:p>
             <a:fld id="{6CABA93C-DC80-9046-97C2-C65CE0460EDC}" type="datetimeFigureOut">
               <a:rPr lang="en-US" smtClean="0"/>
-              <a:t>2/2/16</a:t>
+              <a:t>2/4/16</a:t>
             </a:fld>
             <a:endParaRPr lang="en-US"/>
           </a:p>
@@ -3619,7 +3619,10 @@
           <a:prstGeom prst="line">
             <a:avLst/>
           </a:prstGeom>
-          <a:ln w="127000" cmpd="sng">
+          <a:ln w="152400" cmpd="sng">
+            <a:solidFill>
+              <a:srgbClr val="3366FF"/>
+            </a:solidFill>
             <a:headEnd type="none"/>
             <a:tailEnd type="arrow"/>
           </a:ln>
@@ -3653,9 +3656,9 @@
           <a:prstGeom prst="line">
             <a:avLst/>
           </a:prstGeom>
-          <a:ln w="127000" cmpd="sng">
+          <a:ln w="152400" cmpd="sng">
             <a:solidFill>
-              <a:schemeClr val="accent1"/>
+              <a:srgbClr val="3366FF"/>
             </a:solidFill>
             <a:headEnd type="none"/>
             <a:tailEnd type="arrow"/>
@@ -3685,7 +3688,7 @@
         <p:spPr>
           <a:xfrm>
             <a:off x="5614925" y="4926597"/>
-            <a:ext cx="1796867" cy="2123658"/>
+            <a:ext cx="1841088" cy="2123658"/>
           </a:xfrm>
           <a:prstGeom prst="rect">
             <a:avLst/>
@@ -3704,28 +3707,28 @@
           <a:lstStyle/>
           <a:p>
             <a:r>
-              <a:rPr lang="en-US" sz="6600" i="1" dirty="0" smtClean="0"/>
+              <a:rPr lang="en-US" sz="6600" b="1" i="1" dirty="0" smtClean="0"/>
               <a:t>m</a:t>
             </a:r>
             <a:r>
-              <a:rPr lang="en-US" sz="6600" baseline="-25000" dirty="0"/>
+              <a:rPr lang="en-US" sz="6600" b="1" baseline="-25000" dirty="0"/>
               <a:t>4</a:t>
             </a:r>
             <a:r>
-              <a:rPr lang="en-US" sz="6600" baseline="-25000" dirty="0" smtClean="0"/>
+              <a:rPr lang="en-US" sz="6600" b="1" baseline="-25000" dirty="0" smtClean="0"/>
               <a:t> </a:t>
             </a:r>
             <a:r>
-              <a:rPr lang="en-US" sz="6600" dirty="0"/>
+              <a:rPr lang="en-US" sz="6600" b="1" dirty="0"/>
               <a:t>= </a:t>
             </a:r>
           </a:p>
           <a:p>
             <a:r>
-              <a:rPr lang="en-US" sz="6600" dirty="0" smtClean="0"/>
+              <a:rPr lang="en-US" sz="6600" b="1" dirty="0" smtClean="0"/>
               <a:t>data</a:t>
             </a:r>
-            <a:endParaRPr lang="en-US" sz="6600" dirty="0"/>
+            <a:endParaRPr lang="en-US" sz="6600" b="1" dirty="0"/>
           </a:p>
         </p:txBody>
       </p:sp>
@@ -3756,33 +3759,33 @@
           <a:p>
             <a:pPr algn="ctr"/>
             <a:r>
-              <a:rPr lang="en-US" sz="6600" i="1" dirty="0"/>
+              <a:rPr lang="en-US" sz="6600" b="1" i="1" dirty="0"/>
               <a:t>m</a:t>
             </a:r>
             <a:r>
-              <a:rPr lang="en-US" sz="6600" baseline="-25000" dirty="0" smtClean="0"/>
+              <a:rPr lang="en-US" sz="6600" b="1" baseline="-25000" dirty="0" smtClean="0"/>
               <a:t>2 </a:t>
             </a:r>
             <a:r>
-              <a:rPr lang="en-US" sz="6600" dirty="0" smtClean="0"/>
+              <a:rPr lang="en-US" sz="6600" b="1" dirty="0" smtClean="0"/>
               <a:t>=</a:t>
             </a:r>
           </a:p>
           <a:p>
             <a:pPr algn="ctr"/>
             <a:r>
-              <a:rPr lang="en-US" sz="6600" dirty="0" smtClean="0"/>
+              <a:rPr lang="en-US" sz="6600" b="1" dirty="0" smtClean="0"/>
               <a:t>(id, </a:t>
             </a:r>
             <a:r>
-              <a:rPr lang="en-US" sz="6600" dirty="0" err="1" smtClean="0"/>
+              <a:rPr lang="en-US" sz="6600" b="1" dirty="0" err="1" smtClean="0"/>
               <a:t>params</a:t>
             </a:r>
             <a:r>
-              <a:rPr lang="en-US" sz="6600" dirty="0" smtClean="0"/>
+              <a:rPr lang="en-US" sz="6600" b="1" dirty="0" smtClean="0"/>
               <a:t>)</a:t>
             </a:r>
-            <a:endParaRPr lang="en-US" sz="6600" dirty="0"/>
+            <a:endParaRPr lang="en-US" sz="6600" b="1" dirty="0"/>
           </a:p>
         </p:txBody>
       </p:sp>
@@ -3813,37 +3816,33 @@
           <a:p>
             <a:pPr algn="ctr"/>
             <a:r>
-              <a:rPr lang="en-US" sz="6600" i="1" dirty="0" smtClean="0"/>
+              <a:rPr lang="en-US" sz="6600" b="1" i="1" dirty="0" smtClean="0"/>
               <a:t>m</a:t>
             </a:r>
             <a:r>
-              <a:rPr lang="en-US" sz="6600" baseline="-25000" dirty="0" smtClean="0"/>
+              <a:rPr lang="en-US" sz="6600" b="1" baseline="-25000" dirty="0" smtClean="0"/>
               <a:t>3 </a:t>
             </a:r>
             <a:r>
-              <a:rPr lang="en-US" sz="6600" dirty="0" smtClean="0"/>
+              <a:rPr lang="en-US" sz="6600" b="1" dirty="0" smtClean="0"/>
               <a:t>= </a:t>
             </a:r>
           </a:p>
           <a:p>
             <a:pPr algn="ctr"/>
             <a:r>
-              <a:rPr lang="en-US" sz="6600" dirty="0" smtClean="0"/>
+              <a:rPr lang="en-US" sz="6600" b="1" dirty="0" smtClean="0"/>
               <a:t>(id, </a:t>
             </a:r>
             <a:r>
-              <a:rPr lang="en-US" sz="6600" dirty="0" err="1" smtClean="0"/>
+              <a:rPr lang="en-US" sz="6600" b="1" dirty="0" err="1" smtClean="0"/>
               <a:t>params</a:t>
             </a:r>
             <a:r>
-              <a:rPr lang="en-US" sz="6600" dirty="0" smtClean="0"/>
-              <a:t>, </a:t>
-            </a:r>
-            <a:r>
-              <a:rPr lang="en-US" sz="6600" dirty="0" smtClean="0"/>
-              <a:t>data)</a:t>
-            </a:r>
-            <a:endParaRPr lang="en-US" sz="6600" dirty="0"/>
+              <a:rPr lang="en-US" sz="6600" b="1" dirty="0" smtClean="0"/>
+              <a:t>, data)</a:t>
+            </a:r>
+            <a:endParaRPr lang="en-US" sz="6600" b="1" dirty="0"/>
           </a:p>
         </p:txBody>
       </p:sp>
@@ -3861,7 +3860,10 @@
           <a:prstGeom prst="line">
             <a:avLst/>
           </a:prstGeom>
-          <a:ln w="127000" cmpd="sng">
+          <a:ln w="152400" cmpd="sng">
+            <a:solidFill>
+              <a:srgbClr val="3366FF"/>
+            </a:solidFill>
             <a:headEnd type="none"/>
             <a:tailEnd type="arrow"/>
           </a:ln>
@@ -3895,7 +3897,10 @@
           <a:prstGeom prst="line">
             <a:avLst/>
           </a:prstGeom>
-          <a:ln w="127000" cmpd="sng">
+          <a:ln w="152400" cmpd="sng">
+            <a:solidFill>
+              <a:srgbClr val="3366FF"/>
+            </a:solidFill>
             <a:headEnd type="none"/>
             <a:tailEnd type="arrow"/>
           </a:ln>
@@ -3990,40 +3995,39 @@
           <a:p>
             <a:pPr algn="ctr"/>
             <a:r>
-              <a:rPr lang="en-US" sz="6600" i="1" dirty="0" smtClean="0"/>
+              <a:rPr lang="en-US" sz="6600" b="1" i="1" dirty="0" smtClean="0"/>
               <a:t>m</a:t>
             </a:r>
             <a:r>
-              <a:rPr lang="en-US" sz="6600" baseline="-25000" dirty="0" smtClean="0"/>
+              <a:rPr lang="en-US" sz="6600" b="1" baseline="-25000" dirty="0" smtClean="0"/>
               <a:t>1 </a:t>
             </a:r>
             <a:r>
-              <a:rPr lang="en-US" sz="6600" dirty="0" smtClean="0"/>
+              <a:rPr lang="en-US" sz="6600" b="1" dirty="0" smtClean="0"/>
               <a:t>= </a:t>
             </a:r>
           </a:p>
           <a:p>
             <a:pPr algn="ctr"/>
             <a:r>
-              <a:rPr lang="en-US" sz="6600" dirty="0" smtClean="0"/>
+              <a:rPr lang="en-US" sz="6600" b="1" dirty="0" smtClean="0"/>
               <a:t>(id, </a:t>
             </a:r>
             <a:r>
-              <a:rPr lang="en-US" sz="6600" dirty="0" err="1" smtClean="0"/>
+              <a:rPr lang="en-US" sz="6600" b="1" dirty="0" err="1" smtClean="0"/>
               <a:t>params</a:t>
             </a:r>
             <a:r>
-              <a:rPr lang="en-US" sz="6600" dirty="0" smtClean="0"/>
+              <a:rPr lang="en-US" sz="6600" b="1" dirty="0" smtClean="0"/>
               <a:t>,</a:t>
             </a:r>
           </a:p>
           <a:p>
             <a:pPr algn="ctr"/>
             <a:r>
-              <a:rPr lang="en-US" sz="6600" dirty="0"/>
+              <a:rPr lang="en-US" sz="6600" b="1" dirty="0"/>
               <a:t>callback)</a:t>
             </a:r>
-            <a:endParaRPr lang="en-US" sz="6600" dirty="0"/>
           </a:p>
         </p:txBody>
       </p:sp>

--- a/writeup/figures/DataflowFig.pptx
+++ b/writeup/figures/DataflowFig.pptx
@@ -288,7 +288,7 @@
           <a:p>
             <a:fld id="{6CABA93C-DC80-9046-97C2-C65CE0460EDC}" type="datetimeFigureOut">
               <a:rPr lang="en-US" smtClean="0"/>
-              <a:t>2/4/16</a:t>
+              <a:t>2/7/16</a:t>
             </a:fld>
             <a:endParaRPr lang="en-US"/>
           </a:p>
@@ -458,7 +458,7 @@
           <a:p>
             <a:fld id="{6CABA93C-DC80-9046-97C2-C65CE0460EDC}" type="datetimeFigureOut">
               <a:rPr lang="en-US" smtClean="0"/>
-              <a:t>2/4/16</a:t>
+              <a:t>2/7/16</a:t>
             </a:fld>
             <a:endParaRPr lang="en-US"/>
           </a:p>
@@ -638,7 +638,7 @@
           <a:p>
             <a:fld id="{6CABA93C-DC80-9046-97C2-C65CE0460EDC}" type="datetimeFigureOut">
               <a:rPr lang="en-US" smtClean="0"/>
-              <a:t>2/4/16</a:t>
+              <a:t>2/7/16</a:t>
             </a:fld>
             <a:endParaRPr lang="en-US"/>
           </a:p>
@@ -808,7 +808,7 @@
           <a:p>
             <a:fld id="{6CABA93C-DC80-9046-97C2-C65CE0460EDC}" type="datetimeFigureOut">
               <a:rPr lang="en-US" smtClean="0"/>
-              <a:t>2/4/16</a:t>
+              <a:t>2/7/16</a:t>
             </a:fld>
             <a:endParaRPr lang="en-US"/>
           </a:p>
@@ -1054,7 +1054,7 @@
           <a:p>
             <a:fld id="{6CABA93C-DC80-9046-97C2-C65CE0460EDC}" type="datetimeFigureOut">
               <a:rPr lang="en-US" smtClean="0"/>
-              <a:t>2/4/16</a:t>
+              <a:t>2/7/16</a:t>
             </a:fld>
             <a:endParaRPr lang="en-US"/>
           </a:p>
@@ -1342,7 +1342,7 @@
           <a:p>
             <a:fld id="{6CABA93C-DC80-9046-97C2-C65CE0460EDC}" type="datetimeFigureOut">
               <a:rPr lang="en-US" smtClean="0"/>
-              <a:t>2/4/16</a:t>
+              <a:t>2/7/16</a:t>
             </a:fld>
             <a:endParaRPr lang="en-US"/>
           </a:p>
@@ -1769,7 +1769,7 @@
           <a:p>
             <a:fld id="{6CABA93C-DC80-9046-97C2-C65CE0460EDC}" type="datetimeFigureOut">
               <a:rPr lang="en-US" smtClean="0"/>
-              <a:t>2/4/16</a:t>
+              <a:t>2/7/16</a:t>
             </a:fld>
             <a:endParaRPr lang="en-US"/>
           </a:p>
@@ -1887,7 +1887,7 @@
           <a:p>
             <a:fld id="{6CABA93C-DC80-9046-97C2-C65CE0460EDC}" type="datetimeFigureOut">
               <a:rPr lang="en-US" smtClean="0"/>
-              <a:t>2/4/16</a:t>
+              <a:t>2/7/16</a:t>
             </a:fld>
             <a:endParaRPr lang="en-US"/>
           </a:p>
@@ -1982,7 +1982,7 @@
           <a:p>
             <a:fld id="{6CABA93C-DC80-9046-97C2-C65CE0460EDC}" type="datetimeFigureOut">
               <a:rPr lang="en-US" smtClean="0"/>
-              <a:t>2/4/16</a:t>
+              <a:t>2/7/16</a:t>
             </a:fld>
             <a:endParaRPr lang="en-US"/>
           </a:p>
@@ -2259,7 +2259,7 @@
           <a:p>
             <a:fld id="{6CABA93C-DC80-9046-97C2-C65CE0460EDC}" type="datetimeFigureOut">
               <a:rPr lang="en-US" smtClean="0"/>
-              <a:t>2/4/16</a:t>
+              <a:t>2/7/16</a:t>
             </a:fld>
             <a:endParaRPr lang="en-US"/>
           </a:p>
@@ -2512,7 +2512,7 @@
           <a:p>
             <a:fld id="{6CABA93C-DC80-9046-97C2-C65CE0460EDC}" type="datetimeFigureOut">
               <a:rPr lang="en-US" smtClean="0"/>
-              <a:t>2/4/16</a:t>
+              <a:t>2/7/16</a:t>
             </a:fld>
             <a:endParaRPr lang="en-US"/>
           </a:p>
@@ -2725,7 +2725,7 @@
           <a:p>
             <a:fld id="{6CABA93C-DC80-9046-97C2-C65CE0460EDC}" type="datetimeFigureOut">
               <a:rPr lang="en-US" smtClean="0"/>
-              <a:t>2/4/16</a:t>
+              <a:t>2/7/16</a:t>
             </a:fld>
             <a:endParaRPr lang="en-US"/>
           </a:p>
@@ -3169,7 +3169,7 @@
           <p:spPr>
             <a:xfrm>
               <a:off x="9023645" y="2686409"/>
-              <a:ext cx="2918383" cy="1038077"/>
+              <a:ext cx="3296016" cy="1038077"/>
             </a:xfrm>
             <a:prstGeom prst="rect">
               <a:avLst/>
@@ -3187,7 +3187,7 @@
                   <a:latin typeface="Times New Roman"/>
                   <a:cs typeface="Times New Roman"/>
                 </a:rPr>
-                <a:t>Engine</a:t>
+                <a:t>Enclave</a:t>
               </a:r>
               <a:endParaRPr lang="en-US" sz="8800" dirty="0">
                 <a:latin typeface="Times New Roman"/>
@@ -3533,8 +3533,8 @@
           </p:nvSpPr>
           <p:spPr>
             <a:xfrm>
-              <a:off x="1052059" y="1945853"/>
-              <a:ext cx="2241652" cy="866881"/>
+              <a:off x="845037" y="1945853"/>
+              <a:ext cx="2724514" cy="925428"/>
             </a:xfrm>
             <a:prstGeom prst="rect">
               <a:avLst/>
@@ -3548,11 +3548,11 @@
             <a:lstStyle/>
             <a:p>
               <a:r>
-                <a:rPr lang="en-US" sz="7200" dirty="0" err="1" smtClean="0">
+                <a:rPr lang="en-US" sz="7200" dirty="0" smtClean="0">
                   <a:latin typeface="Times New Roman"/>
                   <a:cs typeface="Times New Roman"/>
                 </a:rPr>
-                <a:t>TContract</a:t>
+                <a:t>TC Contract</a:t>
               </a:r>
               <a:endParaRPr lang="en-US" sz="7200" dirty="0">
                 <a:latin typeface="Times New Roman"/>

--- a/writeup/figures/DataflowFig.pptx
+++ b/writeup/figures/DataflowFig.pptx
@@ -288,7 +288,7 @@
           <a:p>
             <a:fld id="{6CABA93C-DC80-9046-97C2-C65CE0460EDC}" type="datetimeFigureOut">
               <a:rPr lang="en-US" smtClean="0"/>
-              <a:t>2/7/16</a:t>
+              <a:t>2/9/16</a:t>
             </a:fld>
             <a:endParaRPr lang="en-US"/>
           </a:p>
@@ -458,7 +458,7 @@
           <a:p>
             <a:fld id="{6CABA93C-DC80-9046-97C2-C65CE0460EDC}" type="datetimeFigureOut">
               <a:rPr lang="en-US" smtClean="0"/>
-              <a:t>2/7/16</a:t>
+              <a:t>2/9/16</a:t>
             </a:fld>
             <a:endParaRPr lang="en-US"/>
           </a:p>
@@ -638,7 +638,7 @@
           <a:p>
             <a:fld id="{6CABA93C-DC80-9046-97C2-C65CE0460EDC}" type="datetimeFigureOut">
               <a:rPr lang="en-US" smtClean="0"/>
-              <a:t>2/7/16</a:t>
+              <a:t>2/9/16</a:t>
             </a:fld>
             <a:endParaRPr lang="en-US"/>
           </a:p>
@@ -808,7 +808,7 @@
           <a:p>
             <a:fld id="{6CABA93C-DC80-9046-97C2-C65CE0460EDC}" type="datetimeFigureOut">
               <a:rPr lang="en-US" smtClean="0"/>
-              <a:t>2/7/16</a:t>
+              <a:t>2/9/16</a:t>
             </a:fld>
             <a:endParaRPr lang="en-US"/>
           </a:p>
@@ -1054,7 +1054,7 @@
           <a:p>
             <a:fld id="{6CABA93C-DC80-9046-97C2-C65CE0460EDC}" type="datetimeFigureOut">
               <a:rPr lang="en-US" smtClean="0"/>
-              <a:t>2/7/16</a:t>
+              <a:t>2/9/16</a:t>
             </a:fld>
             <a:endParaRPr lang="en-US"/>
           </a:p>
@@ -1342,7 +1342,7 @@
           <a:p>
             <a:fld id="{6CABA93C-DC80-9046-97C2-C65CE0460EDC}" type="datetimeFigureOut">
               <a:rPr lang="en-US" smtClean="0"/>
-              <a:t>2/7/16</a:t>
+              <a:t>2/9/16</a:t>
             </a:fld>
             <a:endParaRPr lang="en-US"/>
           </a:p>
@@ -1769,7 +1769,7 @@
           <a:p>
             <a:fld id="{6CABA93C-DC80-9046-97C2-C65CE0460EDC}" type="datetimeFigureOut">
               <a:rPr lang="en-US" smtClean="0"/>
-              <a:t>2/7/16</a:t>
+              <a:t>2/9/16</a:t>
             </a:fld>
             <a:endParaRPr lang="en-US"/>
           </a:p>
@@ -1887,7 +1887,7 @@
           <a:p>
             <a:fld id="{6CABA93C-DC80-9046-97C2-C65CE0460EDC}" type="datetimeFigureOut">
               <a:rPr lang="en-US" smtClean="0"/>
-              <a:t>2/7/16</a:t>
+              <a:t>2/9/16</a:t>
             </a:fld>
             <a:endParaRPr lang="en-US"/>
           </a:p>
@@ -1982,7 +1982,7 @@
           <a:p>
             <a:fld id="{6CABA93C-DC80-9046-97C2-C65CE0460EDC}" type="datetimeFigureOut">
               <a:rPr lang="en-US" smtClean="0"/>
-              <a:t>2/7/16</a:t>
+              <a:t>2/9/16</a:t>
             </a:fld>
             <a:endParaRPr lang="en-US"/>
           </a:p>
@@ -2259,7 +2259,7 @@
           <a:p>
             <a:fld id="{6CABA93C-DC80-9046-97C2-C65CE0460EDC}" type="datetimeFigureOut">
               <a:rPr lang="en-US" smtClean="0"/>
-              <a:t>2/7/16</a:t>
+              <a:t>2/9/16</a:t>
             </a:fld>
             <a:endParaRPr lang="en-US"/>
           </a:p>
@@ -2512,7 +2512,7 @@
           <a:p>
             <a:fld id="{6CABA93C-DC80-9046-97C2-C65CE0460EDC}" type="datetimeFigureOut">
               <a:rPr lang="en-US" smtClean="0"/>
-              <a:t>2/7/16</a:t>
+              <a:t>2/9/16</a:t>
             </a:fld>
             <a:endParaRPr lang="en-US"/>
           </a:p>
@@ -2725,7 +2725,7 @@
           <a:p>
             <a:fld id="{6CABA93C-DC80-9046-97C2-C65CE0460EDC}" type="datetimeFigureOut">
               <a:rPr lang="en-US" smtClean="0"/>
-              <a:t>2/7/16</a:t>
+              <a:t>2/9/16</a:t>
             </a:fld>
             <a:endParaRPr lang="en-US"/>
           </a:p>
@@ -3976,7 +3976,7 @@
         </p:nvSpPr>
         <p:spPr>
           <a:xfrm>
-            <a:off x="-158459" y="4512896"/>
+            <a:off x="0" y="4512896"/>
             <a:ext cx="5773384" cy="3139321"/>
           </a:xfrm>
           <a:prstGeom prst="rect">
@@ -4011,7 +4011,7 @@
             <a:pPr algn="ctr"/>
             <a:r>
               <a:rPr lang="en-US" sz="6600" b="1" dirty="0" smtClean="0"/>
-              <a:t>(id, </a:t>
+              <a:t>({id}, </a:t>
             </a:r>
             <a:r>
               <a:rPr lang="en-US" sz="6600" b="1" dirty="0" err="1" smtClean="0"/>

--- a/writeup/figures/DataflowFig.pptx
+++ b/writeup/figures/DataflowFig.pptx
@@ -7,7 +7,7 @@
   <p:sldIdLst>
     <p:sldId id="256" r:id="rId2"/>
   </p:sldIdLst>
-  <p:sldSz cx="18288000" cy="10972800"/>
+  <p:sldSz cx="20116800" cy="10972800"/>
   <p:notesSz cx="6858000" cy="9144000"/>
   <p:defaultTextStyle>
     <a:defPPr>
@@ -136,8 +136,8 @@
         </p:nvSpPr>
         <p:spPr>
           <a:xfrm>
-            <a:off x="1371600" y="3408684"/>
-            <a:ext cx="15544800" cy="2352040"/>
+            <a:off x="1508760" y="3408684"/>
+            <a:ext cx="17099280" cy="2352040"/>
           </a:xfrm>
         </p:spPr>
         <p:txBody>
@@ -164,8 +164,8 @@
         </p:nvSpPr>
         <p:spPr>
           <a:xfrm>
-            <a:off x="2743200" y="6217920"/>
-            <a:ext cx="12801600" cy="2804160"/>
+            <a:off x="3017520" y="6217920"/>
+            <a:ext cx="14081760" cy="2804160"/>
           </a:xfrm>
         </p:spPr>
         <p:txBody>
@@ -548,8 +548,8 @@
         </p:nvSpPr>
         <p:spPr>
           <a:xfrm>
-            <a:off x="18564228" y="439425"/>
-            <a:ext cx="5759451" cy="9362440"/>
+            <a:off x="20420651" y="439425"/>
+            <a:ext cx="6335396" cy="9362440"/>
           </a:xfrm>
         </p:spPr>
         <p:txBody>
@@ -576,8 +576,8 @@
         </p:nvSpPr>
         <p:spPr>
           <a:xfrm>
-            <a:off x="1279527" y="439425"/>
-            <a:ext cx="16979900" cy="9362440"/>
+            <a:off x="1407480" y="439425"/>
+            <a:ext cx="18677890" cy="9362440"/>
           </a:xfrm>
         </p:spPr>
         <p:txBody>
@@ -898,8 +898,8 @@
         </p:nvSpPr>
         <p:spPr>
           <a:xfrm>
-            <a:off x="1444625" y="7051044"/>
-            <a:ext cx="15544800" cy="2179320"/>
+            <a:off x="1589088" y="7051044"/>
+            <a:ext cx="17099280" cy="2179320"/>
           </a:xfrm>
         </p:spPr>
         <p:txBody>
@@ -930,8 +930,8 @@
         </p:nvSpPr>
         <p:spPr>
           <a:xfrm>
-            <a:off x="1444625" y="4650743"/>
-            <a:ext cx="15544800" cy="2400299"/>
+            <a:off x="1589088" y="4650744"/>
+            <a:ext cx="17099280" cy="2400299"/>
           </a:xfrm>
         </p:spPr>
         <p:txBody>
@@ -1167,8 +1167,8 @@
         </p:nvSpPr>
         <p:spPr>
           <a:xfrm>
-            <a:off x="1279526" y="2560325"/>
-            <a:ext cx="11369675" cy="7241541"/>
+            <a:off x="1407479" y="2560326"/>
+            <a:ext cx="12506643" cy="7241541"/>
           </a:xfrm>
         </p:spPr>
         <p:txBody>
@@ -1252,8 +1252,8 @@
         </p:nvSpPr>
         <p:spPr>
           <a:xfrm>
-            <a:off x="12954002" y="2560325"/>
-            <a:ext cx="11369676" cy="7241541"/>
+            <a:off x="14249402" y="2560326"/>
+            <a:ext cx="12506644" cy="7241541"/>
           </a:xfrm>
         </p:spPr>
         <p:txBody>
@@ -1432,8 +1432,8 @@
         </p:nvSpPr>
         <p:spPr>
           <a:xfrm>
-            <a:off x="914400" y="439421"/>
-            <a:ext cx="16459200" cy="1828800"/>
+            <a:off x="1005840" y="439421"/>
+            <a:ext cx="18105120" cy="1828800"/>
           </a:xfrm>
         </p:spPr>
         <p:txBody>
@@ -1464,8 +1464,8 @@
         </p:nvSpPr>
         <p:spPr>
           <a:xfrm>
-            <a:off x="914400" y="2456182"/>
-            <a:ext cx="8080376" cy="1023619"/>
+            <a:off x="1005840" y="2456183"/>
+            <a:ext cx="8888414" cy="1023619"/>
           </a:xfrm>
         </p:spPr>
         <p:txBody>
@@ -1529,8 +1529,8 @@
         </p:nvSpPr>
         <p:spPr>
           <a:xfrm>
-            <a:off x="914400" y="3479801"/>
-            <a:ext cx="8080376" cy="6322061"/>
+            <a:off x="1005840" y="3479801"/>
+            <a:ext cx="8888414" cy="6322061"/>
           </a:xfrm>
         </p:spPr>
         <p:txBody>
@@ -1614,8 +1614,8 @@
         </p:nvSpPr>
         <p:spPr>
           <a:xfrm>
-            <a:off x="9290054" y="2456182"/>
-            <a:ext cx="8083551" cy="1023619"/>
+            <a:off x="10219060" y="2456183"/>
+            <a:ext cx="8891906" cy="1023619"/>
           </a:xfrm>
         </p:spPr>
         <p:txBody>
@@ -1679,8 +1679,8 @@
         </p:nvSpPr>
         <p:spPr>
           <a:xfrm>
-            <a:off x="9290054" y="3479801"/>
-            <a:ext cx="8083551" cy="6322061"/>
+            <a:off x="10219060" y="3479801"/>
+            <a:ext cx="8891906" cy="6322061"/>
           </a:xfrm>
         </p:spPr>
         <p:txBody>
@@ -2072,8 +2072,8 @@
         </p:nvSpPr>
         <p:spPr>
           <a:xfrm>
-            <a:off x="914404" y="436880"/>
-            <a:ext cx="6016625" cy="1859280"/>
+            <a:off x="1005845" y="436880"/>
+            <a:ext cx="6618288" cy="1859280"/>
           </a:xfrm>
         </p:spPr>
         <p:txBody>
@@ -2104,8 +2104,8 @@
         </p:nvSpPr>
         <p:spPr>
           <a:xfrm>
-            <a:off x="7150102" y="436885"/>
-            <a:ext cx="10223500" cy="9364981"/>
+            <a:off x="7865112" y="436886"/>
+            <a:ext cx="11245850" cy="9364981"/>
           </a:xfrm>
         </p:spPr>
         <p:txBody>
@@ -2189,8 +2189,8 @@
         </p:nvSpPr>
         <p:spPr>
           <a:xfrm>
-            <a:off x="914404" y="2296165"/>
-            <a:ext cx="6016625" cy="7505701"/>
+            <a:off x="1005845" y="2296166"/>
+            <a:ext cx="6618288" cy="7505701"/>
           </a:xfrm>
         </p:spPr>
         <p:txBody>
@@ -2349,8 +2349,8 @@
         </p:nvSpPr>
         <p:spPr>
           <a:xfrm>
-            <a:off x="3584576" y="7680961"/>
-            <a:ext cx="10972800" cy="906781"/>
+            <a:off x="3943034" y="7680962"/>
+            <a:ext cx="12070080" cy="906781"/>
           </a:xfrm>
         </p:spPr>
         <p:txBody>
@@ -2381,8 +2381,8 @@
         </p:nvSpPr>
         <p:spPr>
           <a:xfrm>
-            <a:off x="3584576" y="980440"/>
-            <a:ext cx="10972800" cy="6583680"/>
+            <a:off x="3943034" y="980440"/>
+            <a:ext cx="12070080" cy="6583680"/>
           </a:xfrm>
         </p:spPr>
         <p:txBody>
@@ -2442,8 +2442,8 @@
         </p:nvSpPr>
         <p:spPr>
           <a:xfrm>
-            <a:off x="3584576" y="8587742"/>
-            <a:ext cx="10972800" cy="1287779"/>
+            <a:off x="3943034" y="8587743"/>
+            <a:ext cx="12070080" cy="1287779"/>
           </a:xfrm>
         </p:spPr>
         <p:txBody>
@@ -2607,8 +2607,8 @@
         </p:nvSpPr>
         <p:spPr>
           <a:xfrm>
-            <a:off x="914400" y="439421"/>
-            <a:ext cx="16459200" cy="1828800"/>
+            <a:off x="1005840" y="439421"/>
+            <a:ext cx="18105120" cy="1828800"/>
           </a:xfrm>
           <a:prstGeom prst="rect">
             <a:avLst/>
@@ -2640,8 +2640,8 @@
         </p:nvSpPr>
         <p:spPr>
           <a:xfrm>
-            <a:off x="914400" y="2560325"/>
-            <a:ext cx="16459200" cy="7241541"/>
+            <a:off x="1005840" y="2560326"/>
+            <a:ext cx="18105120" cy="7241541"/>
           </a:xfrm>
           <a:prstGeom prst="rect">
             <a:avLst/>
@@ -2702,8 +2702,8 @@
         </p:nvSpPr>
         <p:spPr>
           <a:xfrm>
-            <a:off x="914400" y="10170164"/>
-            <a:ext cx="4267200" cy="584200"/>
+            <a:off x="1005840" y="10170164"/>
+            <a:ext cx="4693920" cy="584200"/>
           </a:xfrm>
           <a:prstGeom prst="rect">
             <a:avLst/>
@@ -2743,8 +2743,8 @@
         </p:nvSpPr>
         <p:spPr>
           <a:xfrm>
-            <a:off x="6248400" y="10170164"/>
-            <a:ext cx="5791200" cy="584200"/>
+            <a:off x="6873240" y="10170164"/>
+            <a:ext cx="6370320" cy="584200"/>
           </a:xfrm>
           <a:prstGeom prst="rect">
             <a:avLst/>
@@ -2780,8 +2780,8 @@
         </p:nvSpPr>
         <p:spPr>
           <a:xfrm>
-            <a:off x="13106400" y="10170164"/>
-            <a:ext cx="4267200" cy="584200"/>
+            <a:off x="14417040" y="10170164"/>
+            <a:ext cx="4693920" cy="584200"/>
           </a:xfrm>
           <a:prstGeom prst="rect">
             <a:avLst/>
@@ -3108,8 +3108,8 @@
         </p:nvGrpSpPr>
         <p:grpSpPr>
           <a:xfrm>
-            <a:off x="12450006" y="1496800"/>
-            <a:ext cx="5652000" cy="3429797"/>
+            <a:off x="13695007" y="1496801"/>
+            <a:ext cx="6217200" cy="3429797"/>
             <a:chOff x="8030823" y="1991002"/>
             <a:chExt cx="4878352" cy="2461300"/>
           </a:xfrm>
@@ -3169,7 +3169,7 @@
           <p:spPr>
             <a:xfrm>
               <a:off x="9023645" y="2686409"/>
-              <a:ext cx="3296016" cy="1038077"/>
+              <a:ext cx="2996378" cy="1038077"/>
             </a:xfrm>
             <a:prstGeom prst="rect">
               <a:avLst/>
@@ -3205,7 +3205,7 @@
         </p:nvSpPr>
         <p:spPr>
           <a:xfrm>
-            <a:off x="13095386" y="40615"/>
+            <a:off x="14404925" y="40615"/>
             <a:ext cx="4681089" cy="1107996"/>
           </a:xfrm>
           <a:prstGeom prst="rect">
@@ -3241,7 +3241,7 @@
         </p:nvSpPr>
         <p:spPr>
           <a:xfrm>
-            <a:off x="1885017" y="83145"/>
+            <a:off x="2073519" y="83146"/>
             <a:ext cx="4856919" cy="1015663"/>
           </a:xfrm>
           <a:prstGeom prst="rect">
@@ -3277,8 +3277,8 @@
         </p:nvSpPr>
         <p:spPr>
           <a:xfrm>
-            <a:off x="538120" y="1167223"/>
-            <a:ext cx="7383003" cy="9574173"/>
+            <a:off x="1" y="1167224"/>
+            <a:ext cx="8713235" cy="9805577"/>
           </a:xfrm>
           <a:prstGeom prst="rect">
             <a:avLst/>
@@ -3327,10 +3327,10 @@
         </p:nvGrpSpPr>
         <p:grpSpPr>
           <a:xfrm>
-            <a:off x="1384523" y="8003156"/>
-            <a:ext cx="5628918" cy="3686311"/>
+            <a:off x="535062" y="8003157"/>
+            <a:ext cx="7179724" cy="3959670"/>
             <a:chOff x="559505" y="4930812"/>
-            <a:chExt cx="3353937" cy="2996298"/>
+            <a:chExt cx="3353937" cy="3218489"/>
           </a:xfrm>
         </p:grpSpPr>
         <p:sp>
@@ -3387,8 +3387,8 @@
           </p:nvSpPr>
           <p:spPr>
             <a:xfrm>
-              <a:off x="710893" y="4979350"/>
-              <a:ext cx="3059485" cy="888119"/>
+              <a:off x="913991" y="4979350"/>
+              <a:ext cx="2398642" cy="975648"/>
             </a:xfrm>
             <a:prstGeom prst="rect">
               <a:avLst/>
@@ -3424,7 +3424,7 @@
           <p:spPr>
             <a:xfrm>
               <a:off x="1904641" y="5672656"/>
-              <a:ext cx="1269925" cy="2254454"/>
+              <a:ext cx="1269925" cy="2476645"/>
             </a:xfrm>
             <a:prstGeom prst="rect">
               <a:avLst/>
@@ -3473,8 +3473,8 @@
         </p:nvGrpSpPr>
         <p:grpSpPr>
           <a:xfrm>
-            <a:off x="1384523" y="1496801"/>
-            <a:ext cx="5628919" cy="2871407"/>
+            <a:off x="535062" y="1496802"/>
+            <a:ext cx="7179725" cy="2871407"/>
             <a:chOff x="559506" y="1799844"/>
             <a:chExt cx="3211294" cy="2213794"/>
           </a:xfrm>
@@ -3533,8 +3533,8 @@
           </p:nvSpPr>
           <p:spPr>
             <a:xfrm>
-              <a:off x="845037" y="1945853"/>
-              <a:ext cx="2724514" cy="925428"/>
+              <a:off x="1036538" y="1945853"/>
+              <a:ext cx="2136024" cy="925428"/>
             </a:xfrm>
             <a:prstGeom prst="rect">
               <a:avLst/>
@@ -3569,8 +3569,8 @@
           </p:nvSpPr>
           <p:spPr>
             <a:xfrm>
-              <a:off x="1707903" y="2499689"/>
-              <a:ext cx="1494975" cy="1133613"/>
+              <a:off x="1818868" y="2499689"/>
+              <a:ext cx="1494975" cy="1210175"/>
             </a:xfrm>
             <a:prstGeom prst="rect">
               <a:avLst/>
@@ -3613,7 +3613,7 @@
         </p:nvCxnSpPr>
         <p:spPr>
           <a:xfrm flipV="1">
-            <a:off x="2665983" y="3912393"/>
+            <a:off x="2454319" y="3912394"/>
             <a:ext cx="0" cy="4464811"/>
           </a:xfrm>
           <a:prstGeom prst="line">
@@ -3650,7 +3650,7 @@
         </p:nvCxnSpPr>
         <p:spPr>
           <a:xfrm>
-            <a:off x="6452064" y="3912393"/>
+            <a:off x="6949496" y="3913237"/>
             <a:ext cx="0" cy="4464811"/>
           </a:xfrm>
           <a:prstGeom prst="line">
@@ -3687,8 +3687,8 @@
         </p:nvSpPr>
         <p:spPr>
           <a:xfrm>
-            <a:off x="5614925" y="4926597"/>
-            <a:ext cx="1841088" cy="2123658"/>
+            <a:off x="5246999" y="4926597"/>
+            <a:ext cx="3366877" cy="2123658"/>
           </a:xfrm>
           <a:prstGeom prst="rect">
             <a:avLst/>
@@ -3706,6 +3706,7 @@
           </a:bodyPr>
           <a:lstStyle/>
           <a:p>
+            <a:pPr algn="ctr"/>
             <a:r>
               <a:rPr lang="en-US" sz="6600" b="1" i="1" dirty="0" smtClean="0"/>
               <a:t>m</a:t>
@@ -3724,9 +3725,10 @@
             </a:r>
           </a:p>
           <a:p>
+            <a:pPr algn="ctr"/>
             <a:r>
               <a:rPr lang="en-US" sz="6600" b="1" dirty="0" smtClean="0"/>
-              <a:t>data</a:t>
+              <a:t>(id, data)</a:t>
             </a:r>
             <a:endParaRPr lang="en-US" sz="6600" b="1" dirty="0"/>
           </a:p>
@@ -3740,8 +3742,8 @@
         </p:nvSpPr>
         <p:spPr>
           <a:xfrm>
-            <a:off x="7573428" y="280879"/>
-            <a:ext cx="5065313" cy="2123658"/>
+            <a:off x="8330772" y="280879"/>
+            <a:ext cx="5571844" cy="2123658"/>
           </a:xfrm>
           <a:prstGeom prst="rect">
             <a:avLst/>
@@ -3797,8 +3799,8 @@
         </p:nvSpPr>
         <p:spPr>
           <a:xfrm>
-            <a:off x="7924428" y="3195317"/>
-            <a:ext cx="4525579" cy="3139321"/>
+            <a:off x="8716871" y="3195318"/>
+            <a:ext cx="4978137" cy="3139321"/>
           </a:xfrm>
           <a:prstGeom prst="rect">
             <a:avLst/>
@@ -3854,8 +3856,8 @@
         </p:nvCxnSpPr>
         <p:spPr>
           <a:xfrm>
-            <a:off x="7013442" y="2404537"/>
-            <a:ext cx="5843306" cy="0"/>
+            <a:off x="7714786" y="2404537"/>
+            <a:ext cx="6427637" cy="0"/>
           </a:xfrm>
           <a:prstGeom prst="line">
             <a:avLst/>
@@ -3891,8 +3893,8 @@
         </p:nvCxnSpPr>
         <p:spPr>
           <a:xfrm flipH="1">
-            <a:off x="7013442" y="4368208"/>
-            <a:ext cx="5436565" cy="0"/>
+            <a:off x="7714787" y="4368208"/>
+            <a:ext cx="5980222" cy="0"/>
           </a:xfrm>
           <a:prstGeom prst="line">
             <a:avLst/>
@@ -3928,8 +3930,8 @@
         </p:nvSpPr>
         <p:spPr>
           <a:xfrm>
-            <a:off x="2312270" y="4926597"/>
-            <a:ext cx="765775" cy="2713249"/>
+            <a:off x="2065235" y="4926598"/>
+            <a:ext cx="842353" cy="2713249"/>
           </a:xfrm>
           <a:prstGeom prst="rect">
             <a:avLst/>
@@ -3976,8 +3978,8 @@
         </p:nvSpPr>
         <p:spPr>
           <a:xfrm>
-            <a:off x="0" y="4512896"/>
-            <a:ext cx="5773384" cy="3139321"/>
+            <a:off x="-631864" y="4512897"/>
+            <a:ext cx="6350722" cy="3139321"/>
           </a:xfrm>
           <a:prstGeom prst="rect">
             <a:avLst/>
@@ -4011,7 +4013,7 @@
             <a:pPr algn="ctr"/>
             <a:r>
               <a:rPr lang="en-US" sz="6600" b="1" dirty="0" smtClean="0"/>
-              <a:t>({id}, </a:t>
+              <a:t>(id, </a:t>
             </a:r>
             <a:r>
               <a:rPr lang="en-US" sz="6600" b="1" dirty="0" err="1" smtClean="0"/>
@@ -4039,8 +4041,8 @@
         </p:nvSpPr>
         <p:spPr>
           <a:xfrm>
-            <a:off x="12450007" y="4932019"/>
-            <a:ext cx="5651999" cy="2123658"/>
+            <a:off x="13695008" y="4932019"/>
+            <a:ext cx="6217199" cy="2123658"/>
           </a:xfrm>
           <a:prstGeom prst="rect">
             <a:avLst/>
@@ -4059,10 +4061,10 @@
                 <a:latin typeface="Times New Roman"/>
                 <a:cs typeface="Times New Roman"/>
               </a:rPr>
-              <a:t>(obtains </a:t>
-            </a:r>
-            <a:r>
-              <a:rPr lang="en-US" sz="7200" dirty="0" smtClean="0"/>
+              <a:t>(fetches </a:t>
+            </a:r>
+            <a:r>
+              <a:rPr lang="en-US" sz="7200" b="1" dirty="0"/>
               <a:t>data</a:t>
             </a:r>
             <a:r>
